--- a/TL500VT - Intro.pptx
+++ b/TL500VT - Intro.pptx
@@ -812,7 +812,7 @@
               </a:spcAft>
               <a:buNone/>
             </a:pPr>
-            <a:endParaRPr/>
+            <a:endParaRPr dirty="0"/>
           </a:p>
         </p:txBody>
       </p:sp>
@@ -2003,7 +2003,7 @@
               <a:t>en</a:t>
             </a:r>
             <a:r>
-              <a:rPr lang="en-US"/>
+              <a:rPr lang="en-US" dirty="0"/>
               <a:t>/services/training/tl500-devops-culture-and-practice-enablement?section=Overview</a:t>
             </a:r>
             <a:endParaRPr dirty="0"/>
@@ -2151,7 +2151,7 @@
         </p:nvSpPr>
         <p:spPr>
           <a:xfrm>
-            <a:off x="381300" y="685800"/>
+            <a:off x="381000" y="685800"/>
             <a:ext cx="6096000" cy="3429000"/>
           </a:xfrm>
           <a:custGeom>
@@ -2401,7 +2401,7 @@
         </p:nvSpPr>
         <p:spPr>
           <a:xfrm>
-            <a:off x="381300" y="685800"/>
+            <a:off x="381000" y="685800"/>
             <a:ext cx="6096000" cy="3429000"/>
           </a:xfrm>
           <a:custGeom>
@@ -2909,7 +2909,7 @@
         </p:nvSpPr>
         <p:spPr>
           <a:xfrm>
-            <a:off x="381300" y="685800"/>
+            <a:off x="381000" y="685800"/>
             <a:ext cx="6096000" cy="3429000"/>
           </a:xfrm>
           <a:custGeom>
@@ -17806,10 +17806,10 @@
               <a:buNone/>
             </a:pPr>
             <a:r>
-              <a:rPr lang="en"/>
-              <a:t>DO500 Tools</a:t>
+              <a:rPr lang="en" dirty="0"/>
+              <a:t>TL500 Tools</a:t>
             </a:r>
-            <a:endParaRPr/>
+            <a:endParaRPr dirty="0"/>
           </a:p>
         </p:txBody>
       </p:sp>
@@ -17829,7 +17829,7 @@
         </p:blipFill>
         <p:spPr>
           <a:xfrm>
-            <a:off x="603850" y="1039475"/>
+            <a:off x="98240" y="1313360"/>
             <a:ext cx="2417175" cy="1259100"/>
           </a:xfrm>
           <a:prstGeom prst="rect">
@@ -17857,7 +17857,7 @@
         </p:blipFill>
         <p:spPr>
           <a:xfrm>
-            <a:off x="5068525" y="1418250"/>
+            <a:off x="4659466" y="1250272"/>
             <a:ext cx="2054950" cy="1333140"/>
           </a:xfrm>
           <a:prstGeom prst="rect">
@@ -17885,7 +17885,7 @@
         </p:blipFill>
         <p:spPr>
           <a:xfrm>
-            <a:off x="603853" y="2832134"/>
+            <a:off x="141430" y="3223173"/>
             <a:ext cx="1718147" cy="1259100"/>
           </a:xfrm>
           <a:prstGeom prst="rect">
@@ -18081,7 +18081,7 @@
         </p:blipFill>
         <p:spPr>
           <a:xfrm>
-            <a:off x="7643871" y="4758827"/>
+            <a:off x="7596244" y="4789543"/>
             <a:ext cx="1319725" cy="988519"/>
           </a:xfrm>
           <a:prstGeom prst="rect">
@@ -18109,7 +18109,7 @@
         </p:blipFill>
         <p:spPr>
           <a:xfrm>
-            <a:off x="2745639" y="2267377"/>
+            <a:off x="1500538" y="2905532"/>
             <a:ext cx="1718150" cy="1143345"/>
           </a:xfrm>
           <a:prstGeom prst="rect">
@@ -18193,7 +18193,7 @@
         </p:blipFill>
         <p:spPr>
           <a:xfrm>
-            <a:off x="5450999" y="2996821"/>
+            <a:off x="4073478" y="2499184"/>
             <a:ext cx="2162976" cy="929700"/>
           </a:xfrm>
           <a:prstGeom prst="rect">
@@ -18203,6 +18203,503 @@
           <a:ln>
             <a:noFill/>
           </a:ln>
+        </p:spPr>
+      </p:pic>
+      <p:pic>
+        <p:nvPicPr>
+          <p:cNvPr id="1028" name="Picture 4" descr="Argo CD: focus on the first two CD tools">
+            <a:extLst>
+              <a:ext uri="{FF2B5EF4-FFF2-40B4-BE49-F238E27FC236}">
+                <a16:creationId xmlns:a16="http://schemas.microsoft.com/office/drawing/2014/main" id="{66851487-2EEB-41FD-7728-511A43D71158}"/>
+              </a:ext>
+            </a:extLst>
+          </p:cNvPr>
+          <p:cNvPicPr>
+            <a:picLocks noChangeAspect="1" noChangeArrowheads="1"/>
+          </p:cNvPicPr>
+          <p:nvPr/>
+        </p:nvPicPr>
+        <p:blipFill rotWithShape="1">
+          <a:blip r:embed="rId17">
+            <a:extLst>
+              <a:ext uri="{28A0092B-C50C-407E-A947-70E740481C1C}">
+                <a14:useLocalDpi xmlns:a14="http://schemas.microsoft.com/office/drawing/2010/main" val="0"/>
+              </a:ext>
+            </a:extLst>
+          </a:blip>
+          <a:srcRect l="33400" t="9207" r="31257" b="9316"/>
+          <a:stretch/>
+        </p:blipFill>
+        <p:spPr bwMode="auto">
+          <a:xfrm>
+            <a:off x="6754403" y="2580881"/>
+            <a:ext cx="768164" cy="929700"/>
+          </a:xfrm>
+          <a:prstGeom prst="rect">
+            <a:avLst/>
+          </a:prstGeom>
+          <a:noFill/>
+          <a:extLst>
+            <a:ext uri="{909E8E84-426E-40DD-AFC4-6F175D3DCCD1}">
+              <a14:hiddenFill xmlns:a14="http://schemas.microsoft.com/office/drawing/2010/main">
+                <a:solidFill>
+                  <a:srgbClr val="FFFFFF"/>
+                </a:solidFill>
+              </a14:hiddenFill>
+            </a:ext>
+          </a:extLst>
+        </p:spPr>
+      </p:pic>
+      <p:pic>
+        <p:nvPicPr>
+          <p:cNvPr id="1030" name="Picture 6" descr="HELM Logo Vector (SVG, PDF, Ai, EPS, CDR) Free Download - Logowik.com">
+            <a:extLst>
+              <a:ext uri="{FF2B5EF4-FFF2-40B4-BE49-F238E27FC236}">
+                <a16:creationId xmlns:a16="http://schemas.microsoft.com/office/drawing/2014/main" id="{F0874CED-CA93-3A83-881D-7CE9396F1DE3}"/>
+              </a:ext>
+            </a:extLst>
+          </p:cNvPr>
+          <p:cNvPicPr>
+            <a:picLocks noChangeAspect="1" noChangeArrowheads="1"/>
+          </p:cNvPicPr>
+          <p:nvPr/>
+        </p:nvPicPr>
+        <p:blipFill rotWithShape="1">
+          <a:blip r:embed="rId18">
+            <a:extLst>
+              <a:ext uri="{28A0092B-C50C-407E-A947-70E740481C1C}">
+                <a14:useLocalDpi xmlns:a14="http://schemas.microsoft.com/office/drawing/2010/main" val="0"/>
+              </a:ext>
+            </a:extLst>
+          </a:blip>
+          <a:srcRect l="21138" t="9762" r="21966" b="10398"/>
+          <a:stretch/>
+        </p:blipFill>
+        <p:spPr bwMode="auto">
+          <a:xfrm>
+            <a:off x="2676647" y="1930567"/>
+            <a:ext cx="1074270" cy="1131414"/>
+          </a:xfrm>
+          <a:prstGeom prst="rect">
+            <a:avLst/>
+          </a:prstGeom>
+          <a:noFill/>
+          <a:extLst>
+            <a:ext uri="{909E8E84-426E-40DD-AFC4-6F175D3DCCD1}">
+              <a14:hiddenFill xmlns:a14="http://schemas.microsoft.com/office/drawing/2010/main">
+                <a:solidFill>
+                  <a:srgbClr val="FFFFFF"/>
+                </a:solidFill>
+              </a14:hiddenFill>
+            </a:ext>
+          </a:extLst>
+        </p:spPr>
+      </p:pic>
+      <p:pic>
+        <p:nvPicPr>
+          <p:cNvPr id="1032" name="Picture 8" descr="Tekton: A Modern Approach to Continuous Delivery | IBM">
+            <a:extLst>
+              <a:ext uri="{FF2B5EF4-FFF2-40B4-BE49-F238E27FC236}">
+                <a16:creationId xmlns:a16="http://schemas.microsoft.com/office/drawing/2014/main" id="{C2E552F2-8E57-7300-A4DE-DA84FA45262B}"/>
+              </a:ext>
+            </a:extLst>
+          </p:cNvPr>
+          <p:cNvPicPr>
+            <a:picLocks noChangeAspect="1" noChangeArrowheads="1"/>
+          </p:cNvPicPr>
+          <p:nvPr/>
+        </p:nvPicPr>
+        <p:blipFill rotWithShape="1">
+          <a:blip r:embed="rId19">
+            <a:extLst>
+              <a:ext uri="{28A0092B-C50C-407E-A947-70E740481C1C}">
+                <a14:useLocalDpi xmlns:a14="http://schemas.microsoft.com/office/drawing/2010/main" val="0"/>
+              </a:ext>
+            </a:extLst>
+          </a:blip>
+          <a:srcRect l="22401" r="21697"/>
+          <a:stretch/>
+        </p:blipFill>
+        <p:spPr bwMode="auto">
+          <a:xfrm>
+            <a:off x="10757845" y="3661417"/>
+            <a:ext cx="1086576" cy="1190526"/>
+          </a:xfrm>
+          <a:prstGeom prst="rect">
+            <a:avLst/>
+          </a:prstGeom>
+          <a:noFill/>
+          <a:extLst>
+            <a:ext uri="{909E8E84-426E-40DD-AFC4-6F175D3DCCD1}">
+              <a14:hiddenFill xmlns:a14="http://schemas.microsoft.com/office/drawing/2010/main">
+                <a:solidFill>
+                  <a:srgbClr val="FFFFFF"/>
+                </a:solidFill>
+              </a14:hiddenFill>
+            </a:ext>
+          </a:extLst>
+        </p:spPr>
+      </p:pic>
+      <p:pic>
+        <p:nvPicPr>
+          <p:cNvPr id="1034" name="Picture 10" descr="Iqra IT Academy - Angular Training">
+            <a:extLst>
+              <a:ext uri="{FF2B5EF4-FFF2-40B4-BE49-F238E27FC236}">
+                <a16:creationId xmlns:a16="http://schemas.microsoft.com/office/drawing/2014/main" id="{F638F5A9-8DF8-9939-0763-E40BE255348C}"/>
+              </a:ext>
+            </a:extLst>
+          </p:cNvPr>
+          <p:cNvPicPr>
+            <a:picLocks noChangeAspect="1" noChangeArrowheads="1"/>
+          </p:cNvPicPr>
+          <p:nvPr/>
+        </p:nvPicPr>
+        <p:blipFill rotWithShape="1">
+          <a:blip r:embed="rId20">
+            <a:extLst>
+              <a:ext uri="{28A0092B-C50C-407E-A947-70E740481C1C}">
+                <a14:useLocalDpi xmlns:a14="http://schemas.microsoft.com/office/drawing/2010/main" val="0"/>
+              </a:ext>
+            </a:extLst>
+          </a:blip>
+          <a:srcRect l="27505" t="3403" r="27294" b="4684"/>
+          <a:stretch/>
+        </p:blipFill>
+        <p:spPr bwMode="auto">
+          <a:xfrm>
+            <a:off x="5022387" y="3961679"/>
+            <a:ext cx="814238" cy="827864"/>
+          </a:xfrm>
+          <a:prstGeom prst="rect">
+            <a:avLst/>
+          </a:prstGeom>
+          <a:noFill/>
+          <a:extLst>
+            <a:ext uri="{909E8E84-426E-40DD-AFC4-6F175D3DCCD1}">
+              <a14:hiddenFill xmlns:a14="http://schemas.microsoft.com/office/drawing/2010/main">
+                <a:solidFill>
+                  <a:srgbClr val="FFFFFF"/>
+                </a:solidFill>
+              </a14:hiddenFill>
+            </a:ext>
+          </a:extLst>
+        </p:spPr>
+      </p:pic>
+      <p:pic>
+        <p:nvPicPr>
+          <p:cNvPr id="1036" name="Picture 12" descr="Getting Started with Quarkus">
+            <a:extLst>
+              <a:ext uri="{FF2B5EF4-FFF2-40B4-BE49-F238E27FC236}">
+                <a16:creationId xmlns:a16="http://schemas.microsoft.com/office/drawing/2014/main" id="{4A4CE7D9-BDFC-4BF0-0B54-EF575F8AEF67}"/>
+              </a:ext>
+            </a:extLst>
+          </p:cNvPr>
+          <p:cNvPicPr>
+            <a:picLocks noChangeAspect="1" noChangeArrowheads="1"/>
+          </p:cNvPicPr>
+          <p:nvPr/>
+        </p:nvPicPr>
+        <p:blipFill rotWithShape="1">
+          <a:blip r:embed="rId21">
+            <a:extLst>
+              <a:ext uri="{28A0092B-C50C-407E-A947-70E740481C1C}">
+                <a14:useLocalDpi xmlns:a14="http://schemas.microsoft.com/office/drawing/2010/main" val="0"/>
+              </a:ext>
+            </a:extLst>
+          </a:blip>
+          <a:srcRect l="15933" t="16312" r="13415" b="15267"/>
+          <a:stretch/>
+        </p:blipFill>
+        <p:spPr bwMode="auto">
+          <a:xfrm>
+            <a:off x="10206168" y="384081"/>
+            <a:ext cx="1019105" cy="988519"/>
+          </a:xfrm>
+          <a:prstGeom prst="rect">
+            <a:avLst/>
+          </a:prstGeom>
+          <a:noFill/>
+          <a:extLst>
+            <a:ext uri="{909E8E84-426E-40DD-AFC4-6F175D3DCCD1}">
+              <a14:hiddenFill xmlns:a14="http://schemas.microsoft.com/office/drawing/2010/main">
+                <a:solidFill>
+                  <a:srgbClr val="FFFFFF"/>
+                </a:solidFill>
+              </a14:hiddenFill>
+            </a:ext>
+          </a:extLst>
+        </p:spPr>
+      </p:pic>
+      <p:pic>
+        <p:nvPicPr>
+          <p:cNvPr id="1038" name="Picture 14" descr="Adding a Discord online members widget to a dashboard - no code required -  Jestor">
+            <a:extLst>
+              <a:ext uri="{FF2B5EF4-FFF2-40B4-BE49-F238E27FC236}">
+                <a16:creationId xmlns:a16="http://schemas.microsoft.com/office/drawing/2014/main" id="{B6E7512A-5DE6-6DBF-7254-8B71B319E724}"/>
+              </a:ext>
+            </a:extLst>
+          </p:cNvPr>
+          <p:cNvPicPr>
+            <a:picLocks noChangeAspect="1" noChangeArrowheads="1"/>
+          </p:cNvPicPr>
+          <p:nvPr/>
+        </p:nvPicPr>
+        <p:blipFill rotWithShape="1">
+          <a:blip r:embed="rId22">
+            <a:extLst>
+              <a:ext uri="{28A0092B-C50C-407E-A947-70E740481C1C}">
+                <a14:useLocalDpi xmlns:a14="http://schemas.microsoft.com/office/drawing/2010/main" val="0"/>
+              </a:ext>
+            </a:extLst>
+          </a:blip>
+          <a:srcRect l="8726" t="39863" r="10247" b="38408"/>
+          <a:stretch/>
+        </p:blipFill>
+        <p:spPr bwMode="auto">
+          <a:xfrm>
+            <a:off x="7039992" y="4138714"/>
+            <a:ext cx="1722454" cy="346430"/>
+          </a:xfrm>
+          <a:prstGeom prst="rect">
+            <a:avLst/>
+          </a:prstGeom>
+          <a:noFill/>
+          <a:extLst>
+            <a:ext uri="{909E8E84-426E-40DD-AFC4-6F175D3DCCD1}">
+              <a14:hiddenFill xmlns:a14="http://schemas.microsoft.com/office/drawing/2010/main">
+                <a:solidFill>
+                  <a:srgbClr val="FFFFFF"/>
+                </a:solidFill>
+              </a14:hiddenFill>
+            </a:ext>
+          </a:extLst>
+        </p:spPr>
+      </p:pic>
+      <p:pic>
+        <p:nvPicPr>
+          <p:cNvPr id="1040" name="Picture 16" descr="Slack. Centraliser toutes les communications de votre equipe">
+            <a:extLst>
+              <a:ext uri="{FF2B5EF4-FFF2-40B4-BE49-F238E27FC236}">
+                <a16:creationId xmlns:a16="http://schemas.microsoft.com/office/drawing/2014/main" id="{78CE80E3-A2FF-26EA-E160-CC48CA907BFE}"/>
+              </a:ext>
+            </a:extLst>
+          </p:cNvPr>
+          <p:cNvPicPr>
+            <a:picLocks noChangeAspect="1" noChangeArrowheads="1"/>
+          </p:cNvPicPr>
+          <p:nvPr/>
+        </p:nvPicPr>
+        <p:blipFill rotWithShape="1">
+          <a:blip r:embed="rId23">
+            <a:extLst>
+              <a:ext uri="{28A0092B-C50C-407E-A947-70E740481C1C}">
+                <a14:useLocalDpi xmlns:a14="http://schemas.microsoft.com/office/drawing/2010/main" val="0"/>
+              </a:ext>
+            </a:extLst>
+          </a:blip>
+          <a:srcRect l="22394" t="18093" r="18887" b="13198"/>
+          <a:stretch/>
+        </p:blipFill>
+        <p:spPr bwMode="auto">
+          <a:xfrm>
+            <a:off x="1345357" y="208890"/>
+            <a:ext cx="814485" cy="953048"/>
+          </a:xfrm>
+          <a:prstGeom prst="rect">
+            <a:avLst/>
+          </a:prstGeom>
+          <a:noFill/>
+          <a:extLst>
+            <a:ext uri="{909E8E84-426E-40DD-AFC4-6F175D3DCCD1}">
+              <a14:hiddenFill xmlns:a14="http://schemas.microsoft.com/office/drawing/2010/main">
+                <a:solidFill>
+                  <a:srgbClr val="FFFFFF"/>
+                </a:solidFill>
+              </a14:hiddenFill>
+            </a:ext>
+          </a:extLst>
+        </p:spPr>
+      </p:pic>
+      <p:pic>
+        <p:nvPicPr>
+          <p:cNvPr id="1042" name="Picture 18" descr="How to install Apache Maven on CentOS 8 - Unix / Linux the admins Tutorials">
+            <a:extLst>
+              <a:ext uri="{FF2B5EF4-FFF2-40B4-BE49-F238E27FC236}">
+                <a16:creationId xmlns:a16="http://schemas.microsoft.com/office/drawing/2014/main" id="{DC78AEA3-3627-7959-0967-E9BB803CF49F}"/>
+              </a:ext>
+            </a:extLst>
+          </p:cNvPr>
+          <p:cNvPicPr>
+            <a:picLocks noChangeAspect="1" noChangeArrowheads="1"/>
+          </p:cNvPicPr>
+          <p:nvPr/>
+        </p:nvPicPr>
+        <p:blipFill rotWithShape="1">
+          <a:blip r:embed="rId24">
+            <a:extLst>
+              <a:ext uri="{28A0092B-C50C-407E-A947-70E740481C1C}">
+                <a14:useLocalDpi xmlns:a14="http://schemas.microsoft.com/office/drawing/2010/main" val="0"/>
+              </a:ext>
+            </a:extLst>
+          </a:blip>
+          <a:srcRect l="4616" t="21027" r="11507" b="14747"/>
+          <a:stretch/>
+        </p:blipFill>
+        <p:spPr bwMode="auto">
+          <a:xfrm>
+            <a:off x="8075208" y="2143138"/>
+            <a:ext cx="1319726" cy="495791"/>
+          </a:xfrm>
+          <a:prstGeom prst="rect">
+            <a:avLst/>
+          </a:prstGeom>
+          <a:noFill/>
+          <a:extLst>
+            <a:ext uri="{909E8E84-426E-40DD-AFC4-6F175D3DCCD1}">
+              <a14:hiddenFill xmlns:a14="http://schemas.microsoft.com/office/drawing/2010/main">
+                <a:solidFill>
+                  <a:srgbClr val="FFFFFF"/>
+                </a:solidFill>
+              </a14:hiddenFill>
+            </a:ext>
+          </a:extLst>
+        </p:spPr>
+      </p:pic>
+      <p:pic>
+        <p:nvPicPr>
+          <p:cNvPr id="1044" name="Picture 20" descr="Grafana for Monitoring Time Series Analytics | InfluxData">
+            <a:extLst>
+              <a:ext uri="{FF2B5EF4-FFF2-40B4-BE49-F238E27FC236}">
+                <a16:creationId xmlns:a16="http://schemas.microsoft.com/office/drawing/2014/main" id="{915AC2B9-5E96-FF23-5EA4-810ECE2FC712}"/>
+              </a:ext>
+            </a:extLst>
+          </p:cNvPr>
+          <p:cNvPicPr>
+            <a:picLocks noChangeAspect="1" noChangeArrowheads="1"/>
+          </p:cNvPicPr>
+          <p:nvPr/>
+        </p:nvPicPr>
+        <p:blipFill rotWithShape="1">
+          <a:blip r:embed="rId25">
+            <a:extLst>
+              <a:ext uri="{28A0092B-C50C-407E-A947-70E740481C1C}">
+                <a14:useLocalDpi xmlns:a14="http://schemas.microsoft.com/office/drawing/2010/main" val="0"/>
+              </a:ext>
+            </a:extLst>
+          </a:blip>
+          <a:srcRect l="12867" t="13294" r="13452" b="11461"/>
+          <a:stretch/>
+        </p:blipFill>
+        <p:spPr bwMode="auto">
+          <a:xfrm>
+            <a:off x="6523232" y="5648561"/>
+            <a:ext cx="1099292" cy="1122630"/>
+          </a:xfrm>
+          <a:prstGeom prst="rect">
+            <a:avLst/>
+          </a:prstGeom>
+          <a:noFill/>
+          <a:extLst>
+            <a:ext uri="{909E8E84-426E-40DD-AFC4-6F175D3DCCD1}">
+              <a14:hiddenFill xmlns:a14="http://schemas.microsoft.com/office/drawing/2010/main">
+                <a:solidFill>
+                  <a:srgbClr val="FFFFFF"/>
+                </a:solidFill>
+              </a14:hiddenFill>
+            </a:ext>
+          </a:extLst>
+        </p:spPr>
+      </p:pic>
+      <p:pic>
+        <p:nvPicPr>
+          <p:cNvPr id="1046" name="Picture 22" descr="Prometheus | Brands PJ - PZ">
+            <a:extLst>
+              <a:ext uri="{FF2B5EF4-FFF2-40B4-BE49-F238E27FC236}">
+                <a16:creationId xmlns:a16="http://schemas.microsoft.com/office/drawing/2014/main" id="{F7959B28-F6EE-0EDE-111F-B09DD9D9C387}"/>
+              </a:ext>
+            </a:extLst>
+          </p:cNvPr>
+          <p:cNvPicPr>
+            <a:picLocks noChangeAspect="1" noChangeArrowheads="1"/>
+          </p:cNvPicPr>
+          <p:nvPr/>
+        </p:nvPicPr>
+        <p:blipFill>
+          <a:blip r:embed="rId26">
+            <a:extLst>
+              <a:ext uri="{28A0092B-C50C-407E-A947-70E740481C1C}">
+                <a14:useLocalDpi xmlns:a14="http://schemas.microsoft.com/office/drawing/2010/main" val="0"/>
+              </a:ext>
+            </a:extLst>
+          </a:blip>
+          <a:srcRect/>
+          <a:stretch>
+            <a:fillRect/>
+          </a:stretch>
+        </p:blipFill>
+        <p:spPr bwMode="auto">
+          <a:xfrm>
+            <a:off x="2721557" y="577635"/>
+            <a:ext cx="1511101" cy="827864"/>
+          </a:xfrm>
+          <a:prstGeom prst="rect">
+            <a:avLst/>
+          </a:prstGeom>
+          <a:noFill/>
+          <a:extLst>
+            <a:ext uri="{909E8E84-426E-40DD-AFC4-6F175D3DCCD1}">
+              <a14:hiddenFill xmlns:a14="http://schemas.microsoft.com/office/drawing/2010/main">
+                <a:solidFill>
+                  <a:srgbClr val="FFFFFF"/>
+                </a:solidFill>
+              </a14:hiddenFill>
+            </a:ext>
+          </a:extLst>
+        </p:spPr>
+      </p:pic>
+      <p:pic>
+        <p:nvPicPr>
+          <p:cNvPr id="1048" name="Picture 24" descr="Instalando Kibana | Blog Bujarra.com">
+            <a:extLst>
+              <a:ext uri="{FF2B5EF4-FFF2-40B4-BE49-F238E27FC236}">
+                <a16:creationId xmlns:a16="http://schemas.microsoft.com/office/drawing/2014/main" id="{B83CB527-BA4F-8F58-E6A1-01941B7E50EC}"/>
+              </a:ext>
+            </a:extLst>
+          </p:cNvPr>
+          <p:cNvPicPr>
+            <a:picLocks noChangeAspect="1" noChangeArrowheads="1"/>
+          </p:cNvPicPr>
+          <p:nvPr/>
+        </p:nvPicPr>
+        <p:blipFill rotWithShape="1">
+          <a:blip r:embed="rId27">
+            <a:extLst>
+              <a:ext uri="{28A0092B-C50C-407E-A947-70E740481C1C}">
+                <a14:useLocalDpi xmlns:a14="http://schemas.microsoft.com/office/drawing/2010/main" val="0"/>
+              </a:ext>
+            </a:extLst>
+          </a:blip>
+          <a:srcRect l="15785" t="9369" r="15101" b="10836"/>
+          <a:stretch/>
+        </p:blipFill>
+        <p:spPr bwMode="auto">
+          <a:xfrm>
+            <a:off x="8948120" y="5576089"/>
+            <a:ext cx="1351106" cy="988519"/>
+          </a:xfrm>
+          <a:prstGeom prst="rect">
+            <a:avLst/>
+          </a:prstGeom>
+          <a:noFill/>
+          <a:extLst>
+            <a:ext uri="{909E8E84-426E-40DD-AFC4-6F175D3DCCD1}">
+              <a14:hiddenFill xmlns:a14="http://schemas.microsoft.com/office/drawing/2010/main">
+                <a:solidFill>
+                  <a:srgbClr val="FFFFFF"/>
+                </a:solidFill>
+              </a14:hiddenFill>
+            </a:ext>
+          </a:extLst>
         </p:spPr>
       </p:pic>
     </p:spTree>

--- a/TL500VT - Intro.pptx
+++ b/TL500VT - Intro.pptx
@@ -20854,7 +20854,7 @@
                 <a:cs typeface="Overpass"/>
                 <a:sym typeface="Overpass"/>
               </a:rPr>
-              <a:t>Cultural Practices</a:t>
+              <a:t>Agile Practices</a:t>
             </a:r>
             <a:endParaRPr sz="1600" dirty="0">
               <a:solidFill>
@@ -21164,7 +21164,7 @@
                 <a:cs typeface="Overpass"/>
                 <a:sym typeface="Overpass"/>
               </a:rPr>
-              <a:t> - Used for cultural practices and exercises as well as maintaining project schedule and documentation. Virtual whiteboard that can simulate a room for walking-the-walls.</a:t>
+              <a:t> - Used for Agile practices and exercises as well as maintaining project schedule and documentation. Virtual whiteboard that can simulate a room for walking-the-walls.</a:t>
             </a:r>
             <a:endParaRPr sz="1600" dirty="0">
               <a:solidFill>
@@ -23206,15 +23206,15 @@
               <a:buNone/>
             </a:pPr>
             <a:r>
-              <a:rPr lang="en" sz="1200">
+              <a:rPr lang="en" sz="1200" dirty="0">
                 <a:latin typeface="Overpass"/>
                 <a:ea typeface="Overpass"/>
                 <a:cs typeface="Overpass"/>
                 <a:sym typeface="Overpass"/>
               </a:rPr>
-              <a:t>Learn the use of Miro and other online tools that can assist with running remote exercises for gathering information in discovery sessions and other cultural practices.</a:t>
+              <a:t>Learn the use of Miro and other online tools that can assist with running remote exercises for gathering information in discovery sessions and other Agile practices.</a:t>
             </a:r>
-            <a:endParaRPr sz="1200">
+            <a:endParaRPr sz="1200" dirty="0">
               <a:latin typeface="Overpass"/>
               <a:ea typeface="Overpass"/>
               <a:cs typeface="Overpass"/>

--- a/TL500VT - Intro.pptx
+++ b/TL500VT - Intro.pptx
@@ -853,7 +853,7 @@
         </p:nvSpPr>
         <p:spPr>
           <a:xfrm>
-            <a:off x="381300" y="685800"/>
+            <a:off x="381000" y="685800"/>
             <a:ext cx="6096000" cy="3429000"/>
           </a:xfrm>
           <a:custGeom>
@@ -17230,7 +17230,7 @@
         <p:spPr>
           <a:xfrm>
             <a:off x="3868775" y="1928400"/>
-            <a:ext cx="4131300" cy="3232500"/>
+            <a:ext cx="4131300" cy="3647122"/>
           </a:xfrm>
           <a:prstGeom prst="rect">
             <a:avLst/>
@@ -17261,15 +17261,33 @@
               <a:buChar char="❖"/>
             </a:pPr>
             <a:r>
-              <a:rPr lang="en" sz="1800">
+              <a:rPr lang="en" sz="1800" dirty="0">
                 <a:latin typeface="Overpass"/>
                 <a:ea typeface="Overpass"/>
                 <a:cs typeface="Overpass"/>
                 <a:sym typeface="Overpass"/>
               </a:rPr>
-              <a:t>Infrastructure-as-Code (Gitlab)</a:t>
+              <a:t>Configuration-as-Code (</a:t>
             </a:r>
-            <a:endParaRPr sz="1800">
+            <a:r>
+              <a:rPr lang="en" sz="1800" dirty="0" err="1">
+                <a:latin typeface="Overpass"/>
+                <a:ea typeface="Overpass"/>
+                <a:cs typeface="Overpass"/>
+                <a:sym typeface="Overpass"/>
+              </a:rPr>
+              <a:t>CaC</a:t>
+            </a:r>
+            <a:r>
+              <a:rPr lang="en" sz="1800" dirty="0">
+                <a:latin typeface="Overpass"/>
+                <a:ea typeface="Overpass"/>
+                <a:cs typeface="Overpass"/>
+                <a:sym typeface="Overpass"/>
+              </a:rPr>
+              <a:t>) and Infrastructure-as-Code (Gitlab)</a:t>
+            </a:r>
+            <a:endParaRPr sz="1800" dirty="0">
               <a:latin typeface="Overpass"/>
               <a:ea typeface="Overpass"/>
               <a:cs typeface="Overpass"/>
@@ -17292,15 +17310,33 @@
               <a:buChar char="❖"/>
             </a:pPr>
             <a:r>
-              <a:rPr lang="en" sz="1800">
+              <a:rPr lang="en" sz="1800" dirty="0">
                 <a:latin typeface="Overpass"/>
                 <a:ea typeface="Overpass"/>
                 <a:cs typeface="Overpass"/>
                 <a:sym typeface="Overpass"/>
               </a:rPr>
-              <a:t>Pipelines (Jenkins)</a:t>
+              <a:t>Pipelines (Jenkins/</a:t>
             </a:r>
-            <a:endParaRPr sz="1800">
+            <a:r>
+              <a:rPr lang="en" sz="1800" dirty="0" err="1">
+                <a:latin typeface="Overpass"/>
+                <a:ea typeface="Overpass"/>
+                <a:cs typeface="Overpass"/>
+                <a:sym typeface="Overpass"/>
+              </a:rPr>
+              <a:t>Tekton</a:t>
+            </a:r>
+            <a:r>
+              <a:rPr lang="en" sz="1800" dirty="0">
+                <a:latin typeface="Overpass"/>
+                <a:ea typeface="Overpass"/>
+                <a:cs typeface="Overpass"/>
+                <a:sym typeface="Overpass"/>
+              </a:rPr>
+              <a:t>)</a:t>
+            </a:r>
+            <a:endParaRPr sz="1800" dirty="0">
               <a:latin typeface="Overpass"/>
               <a:ea typeface="Overpass"/>
               <a:cs typeface="Overpass"/>
@@ -17323,7 +17359,7 @@
               <a:buChar char="❖"/>
             </a:pPr>
             <a:r>
-              <a:rPr lang="en" sz="1800">
+              <a:rPr lang="en" sz="1800" dirty="0">
                 <a:latin typeface="Overpass"/>
                 <a:ea typeface="Overpass"/>
                 <a:cs typeface="Overpass"/>
@@ -17331,7 +17367,7 @@
               </a:rPr>
               <a:t>Containers and Orchestration (OpenShift)</a:t>
             </a:r>
-            <a:endParaRPr sz="1800">
+            <a:endParaRPr sz="1800" dirty="0">
               <a:latin typeface="Overpass"/>
               <a:ea typeface="Overpass"/>
               <a:cs typeface="Overpass"/>
@@ -17354,7 +17390,7 @@
               <a:buChar char="❖"/>
             </a:pPr>
             <a:r>
-              <a:rPr lang="en" sz="1800">
+              <a:rPr lang="en" sz="1800" dirty="0">
                 <a:latin typeface="Overpass"/>
                 <a:ea typeface="Overpass"/>
                 <a:cs typeface="Overpass"/>
@@ -17362,7 +17398,7 @@
               </a:rPr>
               <a:t>Container Registries (Nexus)</a:t>
             </a:r>
-            <a:endParaRPr sz="1800">
+            <a:endParaRPr sz="1800" dirty="0">
               <a:latin typeface="Overpass"/>
               <a:ea typeface="Overpass"/>
               <a:cs typeface="Overpass"/>
@@ -17385,15 +17421,51 @@
               <a:buChar char="❖"/>
             </a:pPr>
             <a:r>
-              <a:rPr lang="en" sz="1800">
+              <a:rPr lang="en" sz="1800" dirty="0">
                 <a:latin typeface="Overpass"/>
                 <a:ea typeface="Overpass"/>
                 <a:cs typeface="Overpass"/>
                 <a:sym typeface="Overpass"/>
               </a:rPr>
-              <a:t>Automation (Ansible)</a:t>
+              <a:t>Automation/</a:t>
             </a:r>
-            <a:endParaRPr sz="1800">
+            <a:r>
+              <a:rPr lang="en" sz="1800" dirty="0" err="1">
+                <a:latin typeface="Overpass"/>
+                <a:ea typeface="Overpass"/>
+                <a:cs typeface="Overpass"/>
+                <a:sym typeface="Overpass"/>
+              </a:rPr>
+              <a:t>GitOps</a:t>
+            </a:r>
+            <a:r>
+              <a:rPr lang="en" sz="1800" dirty="0">
+                <a:latin typeface="Overpass"/>
+                <a:ea typeface="Overpass"/>
+                <a:cs typeface="Overpass"/>
+                <a:sym typeface="Overpass"/>
+              </a:rPr>
+              <a:t> (</a:t>
+            </a:r>
+            <a:r>
+              <a:rPr lang="en" sz="1800" dirty="0" err="1">
+                <a:latin typeface="Overpass"/>
+                <a:ea typeface="Overpass"/>
+                <a:cs typeface="Overpass"/>
+                <a:sym typeface="Overpass"/>
+              </a:rPr>
+              <a:t>ArgoCD</a:t>
+            </a:r>
+            <a:r>
+              <a:rPr lang="en" sz="1800" dirty="0">
+                <a:latin typeface="Overpass"/>
+                <a:ea typeface="Overpass"/>
+                <a:cs typeface="Overpass"/>
+                <a:sym typeface="Overpass"/>
+              </a:rPr>
+              <a:t>)</a:t>
+            </a:r>
+            <a:endParaRPr sz="1800" dirty="0">
               <a:latin typeface="Overpass"/>
               <a:ea typeface="Overpass"/>
               <a:cs typeface="Overpass"/>
@@ -17416,15 +17488,33 @@
               <a:buChar char="❖"/>
             </a:pPr>
             <a:r>
-              <a:rPr lang="en" sz="1800">
+              <a:rPr lang="en" sz="1800" dirty="0">
                 <a:latin typeface="Overpass"/>
                 <a:ea typeface="Overpass"/>
                 <a:cs typeface="Overpass"/>
                 <a:sym typeface="Overpass"/>
               </a:rPr>
-              <a:t>Local development environment (CodeReady Workspace)</a:t>
+              <a:t>Local development environment (</a:t>
             </a:r>
-            <a:endParaRPr sz="1800">
+            <a:r>
+              <a:rPr lang="en" sz="1800" dirty="0" err="1">
+                <a:latin typeface="Overpass"/>
+                <a:ea typeface="Overpass"/>
+                <a:cs typeface="Overpass"/>
+                <a:sym typeface="Overpass"/>
+              </a:rPr>
+              <a:t>CodeReady</a:t>
+            </a:r>
+            <a:r>
+              <a:rPr lang="en" sz="1800" dirty="0">
+                <a:latin typeface="Overpass"/>
+                <a:ea typeface="Overpass"/>
+                <a:cs typeface="Overpass"/>
+                <a:sym typeface="Overpass"/>
+              </a:rPr>
+              <a:t> Workspace)</a:t>
+            </a:r>
+            <a:endParaRPr sz="1800" dirty="0">
               <a:latin typeface="Overpass"/>
               <a:ea typeface="Overpass"/>
               <a:cs typeface="Overpass"/>
@@ -17447,7 +17537,7 @@
               <a:buChar char="❖"/>
             </a:pPr>
             <a:r>
-              <a:rPr lang="en" sz="1800">
+              <a:rPr lang="en" sz="1800" dirty="0">
                 <a:latin typeface="Overpass"/>
                 <a:ea typeface="Overpass"/>
                 <a:cs typeface="Overpass"/>
@@ -17455,7 +17545,7 @@
               </a:rPr>
               <a:t>… and more</a:t>
             </a:r>
-            <a:endParaRPr sz="1800">
+            <a:endParaRPr sz="1800" dirty="0">
               <a:latin typeface="Overpass"/>
               <a:ea typeface="Overpass"/>
               <a:cs typeface="Overpass"/>
@@ -21250,7 +21340,31 @@
                 <a:cs typeface="Overpass"/>
                 <a:sym typeface="Overpass"/>
               </a:rPr>
-              <a:t>OpenShift/Jenkins/Gitlab/Ansible</a:t>
+              <a:t>OpenShift/Jenkins/Gitlab/</a:t>
+            </a:r>
+            <a:r>
+              <a:rPr lang="en" sz="1600" b="1" dirty="0" err="1">
+                <a:solidFill>
+                  <a:schemeClr val="dk1"/>
+                </a:solidFill>
+                <a:latin typeface="Overpass"/>
+                <a:ea typeface="Overpass"/>
+                <a:cs typeface="Overpass"/>
+                <a:sym typeface="Overpass"/>
+              </a:rPr>
+              <a:t>Tekton</a:t>
+            </a:r>
+            <a:r>
+              <a:rPr lang="en" sz="1600" b="1" dirty="0">
+                <a:solidFill>
+                  <a:schemeClr val="dk1"/>
+                </a:solidFill>
+                <a:latin typeface="Overpass"/>
+                <a:ea typeface="Overpass"/>
+                <a:cs typeface="Overpass"/>
+                <a:sym typeface="Overpass"/>
+              </a:rPr>
+              <a:t>/Helm</a:t>
             </a:r>
             <a:r>
               <a:rPr lang="en" sz="1600" dirty="0">

--- a/TL500VT - Intro.pptx
+++ b/TL500VT - Intro.pptx
@@ -5,7 +5,7 @@
     <p:sldMasterId id="2147483662" r:id="rId1"/>
   </p:sldMasterIdLst>
   <p:notesMasterIdLst>
-    <p:notesMasterId r:id="rId22"/>
+    <p:notesMasterId r:id="rId23"/>
   </p:notesMasterIdLst>
   <p:sldIdLst>
     <p:sldId id="256" r:id="rId2"/>
@@ -20,14 +20,15 @@
     <p:sldId id="265" r:id="rId11"/>
     <p:sldId id="266" r:id="rId12"/>
     <p:sldId id="267" r:id="rId13"/>
-    <p:sldId id="268" r:id="rId14"/>
-    <p:sldId id="270" r:id="rId15"/>
-    <p:sldId id="272" r:id="rId16"/>
-    <p:sldId id="273" r:id="rId17"/>
-    <p:sldId id="274" r:id="rId18"/>
-    <p:sldId id="275" r:id="rId19"/>
+    <p:sldId id="270" r:id="rId14"/>
+    <p:sldId id="272" r:id="rId15"/>
+    <p:sldId id="273" r:id="rId16"/>
+    <p:sldId id="274" r:id="rId17"/>
+    <p:sldId id="275" r:id="rId18"/>
+    <p:sldId id="276" r:id="rId19"/>
     <p:sldId id="271" r:id="rId20"/>
-    <p:sldId id="269" r:id="rId21"/>
+    <p:sldId id="268" r:id="rId21"/>
+    <p:sldId id="269" r:id="rId22"/>
   </p:sldIdLst>
   <p:sldSz cx="12192000" cy="6858000"/>
   <p:notesSz cx="6858000" cy="9144000"/>
@@ -1233,6 +1234,11 @@
         </p:txBody>
       </p:sp>
     </p:spTree>
+    <p:extLst>
+      <p:ext uri="{BB962C8B-B14F-4D97-AF65-F5344CB8AC3E}">
+        <p14:creationId xmlns:p14="http://schemas.microsoft.com/office/powerpoint/2010/main" val="2337262895"/>
+      </p:ext>
+    </p:extLst>
   </p:cSld>
   <p:clrMapOvr>
     <a:masterClrMapping/>
@@ -1245,7 +1251,7 @@
   <p:cSld>
     <p:spTree>
       <p:nvGrpSpPr>
-        <p:cNvPr id="1" name="Shape 277"/>
+        <p:cNvPr id="1" name="Shape 243"/>
         <p:cNvGrpSpPr/>
         <p:nvPr/>
       </p:nvGrpSpPr>
@@ -1259,7 +1265,7 @@
       </p:grpSpPr>
       <p:sp>
         <p:nvSpPr>
-          <p:cNvPr id="278" name="Google Shape;278;g6137cfe482_0_158:notes"/>
+          <p:cNvPr id="244" name="Google Shape;244;g6aeb00f0ff_0_192:notes"/>
           <p:cNvSpPr>
             <a:spLocks noGrp="1" noRot="1" noChangeAspect="1"/>
           </p:cNvSpPr>
@@ -1300,7 +1306,7 @@
       </p:sp>
       <p:sp>
         <p:nvSpPr>
-          <p:cNvPr id="279" name="Google Shape;279;g6137cfe482_0_158:notes"/>
+          <p:cNvPr id="245" name="Google Shape;245;g6aeb00f0ff_0_192:notes"/>
           <p:cNvSpPr txBox="1">
             <a:spLocks noGrp="1"/>
           </p:cNvSpPr>
@@ -1339,7 +1345,7 @@
     </p:spTree>
     <p:extLst>
       <p:ext uri="{BB962C8B-B14F-4D97-AF65-F5344CB8AC3E}">
-        <p14:creationId xmlns:p14="http://schemas.microsoft.com/office/powerpoint/2010/main" val="2337262895"/>
+        <p14:creationId xmlns:p14="http://schemas.microsoft.com/office/powerpoint/2010/main" val="3349642121"/>
       </p:ext>
     </p:extLst>
   </p:cSld>
@@ -1448,7 +1454,7 @@
     </p:spTree>
     <p:extLst>
       <p:ext uri="{BB962C8B-B14F-4D97-AF65-F5344CB8AC3E}">
-        <p14:creationId xmlns:p14="http://schemas.microsoft.com/office/powerpoint/2010/main" val="3349642121"/>
+        <p14:creationId xmlns:p14="http://schemas.microsoft.com/office/powerpoint/2010/main" val="272560973"/>
       </p:ext>
     </p:extLst>
   </p:cSld>
@@ -1557,7 +1563,7 @@
     </p:spTree>
     <p:extLst>
       <p:ext uri="{BB962C8B-B14F-4D97-AF65-F5344CB8AC3E}">
-        <p14:creationId xmlns:p14="http://schemas.microsoft.com/office/powerpoint/2010/main" val="272560973"/>
+        <p14:creationId xmlns:p14="http://schemas.microsoft.com/office/powerpoint/2010/main" val="4229615090"/>
       </p:ext>
     </p:extLst>
   </p:cSld>
@@ -1666,7 +1672,7 @@
     </p:spTree>
     <p:extLst>
       <p:ext uri="{BB962C8B-B14F-4D97-AF65-F5344CB8AC3E}">
-        <p14:creationId xmlns:p14="http://schemas.microsoft.com/office/powerpoint/2010/main" val="4229615090"/>
+        <p14:creationId xmlns:p14="http://schemas.microsoft.com/office/powerpoint/2010/main" val="1906081070"/>
       </p:ext>
     </p:extLst>
   </p:cSld>
@@ -1681,7 +1687,7 @@
   <p:cSld>
     <p:spTree>
       <p:nvGrpSpPr>
-        <p:cNvPr id="1" name="Shape 243"/>
+        <p:cNvPr id="1" name="Shape 277"/>
         <p:cNvGrpSpPr/>
         <p:nvPr/>
       </p:nvGrpSpPr>
@@ -1695,7 +1701,7 @@
       </p:grpSpPr>
       <p:sp>
         <p:nvSpPr>
-          <p:cNvPr id="244" name="Google Shape;244;g6aeb00f0ff_0_192:notes"/>
+          <p:cNvPr id="278" name="Google Shape;278;g6137cfe482_0_158:notes"/>
           <p:cNvSpPr>
             <a:spLocks noGrp="1" noRot="1" noChangeAspect="1"/>
           </p:cNvSpPr>
@@ -1736,7 +1742,7 @@
       </p:sp>
       <p:sp>
         <p:nvSpPr>
-          <p:cNvPr id="245" name="Google Shape;245;g6aeb00f0ff_0_192:notes"/>
+          <p:cNvPr id="279" name="Google Shape;279;g6137cfe482_0_158:notes"/>
           <p:cNvSpPr txBox="1">
             <a:spLocks noGrp="1"/>
           </p:cNvSpPr>
@@ -1775,7 +1781,7 @@
     </p:spTree>
     <p:extLst>
       <p:ext uri="{BB962C8B-B14F-4D97-AF65-F5344CB8AC3E}">
-        <p14:creationId xmlns:p14="http://schemas.microsoft.com/office/powerpoint/2010/main" val="1906081070"/>
+        <p14:creationId xmlns:p14="http://schemas.microsoft.com/office/powerpoint/2010/main" val="2949589493"/>
       </p:ext>
     </p:extLst>
   </p:cSld>
@@ -2019,6 +2025,110 @@
 </file>
 
 <file path=ppt/notesSlides/notesSlide20.xml><?xml version="1.0" encoding="utf-8"?>
+<p:notes xmlns:a="http://schemas.openxmlformats.org/drawingml/2006/main" xmlns:r="http://schemas.openxmlformats.org/officeDocument/2006/relationships" xmlns:p="http://schemas.openxmlformats.org/presentationml/2006/main" showMasterSp="0" showMasterPhAnim="0">
+  <p:cSld>
+    <p:spTree>
+      <p:nvGrpSpPr>
+        <p:cNvPr id="1" name="Shape 277"/>
+        <p:cNvGrpSpPr/>
+        <p:nvPr/>
+      </p:nvGrpSpPr>
+      <p:grpSpPr>
+        <a:xfrm>
+          <a:off x="0" y="0"/>
+          <a:ext cx="0" cy="0"/>
+          <a:chOff x="0" y="0"/>
+          <a:chExt cx="0" cy="0"/>
+        </a:xfrm>
+      </p:grpSpPr>
+      <p:sp>
+        <p:nvSpPr>
+          <p:cNvPr id="278" name="Google Shape;278;g6137cfe482_0_158:notes"/>
+          <p:cNvSpPr>
+            <a:spLocks noGrp="1" noRot="1" noChangeAspect="1"/>
+          </p:cNvSpPr>
+          <p:nvPr>
+            <p:ph type="sldImg" idx="2"/>
+          </p:nvPr>
+        </p:nvSpPr>
+        <p:spPr>
+          <a:xfrm>
+            <a:off x="381000" y="685800"/>
+            <a:ext cx="6096000" cy="3429000"/>
+          </a:xfrm>
+          <a:custGeom>
+            <a:avLst/>
+            <a:gdLst/>
+            <a:ahLst/>
+            <a:cxnLst/>
+            <a:rect l="l" t="t" r="r" b="b"/>
+            <a:pathLst>
+              <a:path w="120000" h="120000" extrusionOk="0">
+                <a:moveTo>
+                  <a:pt x="0" y="0"/>
+                </a:moveTo>
+                <a:lnTo>
+                  <a:pt x="120000" y="0"/>
+                </a:lnTo>
+                <a:lnTo>
+                  <a:pt x="120000" y="120000"/>
+                </a:lnTo>
+                <a:lnTo>
+                  <a:pt x="0" y="120000"/>
+                </a:lnTo>
+                <a:close/>
+              </a:path>
+            </a:pathLst>
+          </a:custGeom>
+        </p:spPr>
+      </p:sp>
+      <p:sp>
+        <p:nvSpPr>
+          <p:cNvPr id="279" name="Google Shape;279;g6137cfe482_0_158:notes"/>
+          <p:cNvSpPr txBox="1">
+            <a:spLocks noGrp="1"/>
+          </p:cNvSpPr>
+          <p:nvPr>
+            <p:ph type="body" idx="1"/>
+          </p:nvPr>
+        </p:nvSpPr>
+        <p:spPr>
+          <a:xfrm>
+            <a:off x="685800" y="4343400"/>
+            <a:ext cx="5486400" cy="4114800"/>
+          </a:xfrm>
+          <a:prstGeom prst="rect">
+            <a:avLst/>
+          </a:prstGeom>
+        </p:spPr>
+        <p:txBody>
+          <a:bodyPr spcFirstLastPara="1" wrap="square" lIns="91425" tIns="91425" rIns="91425" bIns="91425" anchor="t" anchorCtr="0">
+            <a:noAutofit/>
+          </a:bodyPr>
+          <a:lstStyle/>
+          <a:p>
+            <a:pPr marL="0" lvl="0" indent="0" algn="l" rtl="0">
+              <a:spcBef>
+                <a:spcPts val="0"/>
+              </a:spcBef>
+              <a:spcAft>
+                <a:spcPts val="0"/>
+              </a:spcAft>
+              <a:buNone/>
+            </a:pPr>
+            <a:endParaRPr/>
+          </a:p>
+        </p:txBody>
+      </p:sp>
+    </p:spTree>
+  </p:cSld>
+  <p:clrMapOvr>
+    <a:masterClrMapping/>
+  </p:clrMapOvr>
+</p:notes>
+</file>
+
+<file path=ppt/notesSlides/notesSlide21.xml><?xml version="1.0" encoding="utf-8"?>
 <p:notes xmlns:a="http://schemas.openxmlformats.org/drawingml/2006/main" xmlns:r="http://schemas.openxmlformats.org/officeDocument/2006/relationships" xmlns:p="http://schemas.openxmlformats.org/presentationml/2006/main" showMasterSp="0" showMasterPhAnim="0">
   <p:cSld>
     <p:spTree>
@@ -17124,8 +17234,8 @@
         </p:nvSpPr>
         <p:spPr>
           <a:xfrm>
-            <a:off x="81975" y="4082700"/>
-            <a:ext cx="11997900" cy="1053600"/>
+            <a:off x="81975" y="4212076"/>
+            <a:ext cx="11997900" cy="1498442"/>
           </a:xfrm>
           <a:prstGeom prst="rect">
             <a:avLst/>
@@ -17147,10 +17257,24 @@
               <a:buNone/>
             </a:pPr>
             <a:r>
-              <a:rPr lang="en" sz="3400"/>
+              <a:rPr lang="en" sz="3400" dirty="0"/>
+              <a:t>Welcome </a:t>
+            </a:r>
+            <a:br>
+              <a:rPr lang="en" sz="3400" dirty="0"/>
+            </a:br>
+            <a:r>
+              <a:rPr lang="en" sz="3400" dirty="0"/>
+              <a:t>&amp; </a:t>
+            </a:r>
+            <a:br>
+              <a:rPr lang="en" sz="3400" dirty="0"/>
+            </a:br>
+            <a:r>
+              <a:rPr lang="en" sz="3400" dirty="0"/>
               <a:t>Course Introduction</a:t>
             </a:r>
-            <a:endParaRPr sz="3400"/>
+            <a:endParaRPr sz="3400" dirty="0"/>
           </a:p>
         </p:txBody>
       </p:sp>
@@ -18852,148 +18976,6 @@
               <a:buNone/>
             </a:pPr>
             <a:r>
-              <a:rPr lang="en"/>
-              <a:t>MIRO Demo</a:t>
-            </a:r>
-            <a:endParaRPr/>
-          </a:p>
-        </p:txBody>
-      </p:sp>
-      <p:sp>
-        <p:nvSpPr>
-          <p:cNvPr id="282" name="Google Shape;282;p28"/>
-          <p:cNvSpPr txBox="1">
-            <a:spLocks noGrp="1"/>
-          </p:cNvSpPr>
-          <p:nvPr>
-            <p:ph type="sldNum" idx="12"/>
-          </p:nvPr>
-        </p:nvSpPr>
-        <p:spPr>
-          <a:xfrm>
-            <a:off x="81975" y="6169556"/>
-            <a:ext cx="731700" cy="143700"/>
-          </a:xfrm>
-          <a:prstGeom prst="rect">
-            <a:avLst/>
-          </a:prstGeom>
-        </p:spPr>
-        <p:txBody>
-          <a:bodyPr spcFirstLastPara="1" wrap="square" lIns="0" tIns="0" rIns="0" bIns="0" anchor="b" anchorCtr="0">
-            <a:noAutofit/>
-          </a:bodyPr>
-          <a:lstStyle/>
-          <a:p>
-            <a:pPr marL="0" lvl="0" indent="0" algn="ctr" rtl="0">
-              <a:spcBef>
-                <a:spcPts val="0"/>
-              </a:spcBef>
-              <a:spcAft>
-                <a:spcPts val="0"/>
-              </a:spcAft>
-              <a:buNone/>
-            </a:pPr>
-            <a:fld id="{00000000-1234-1234-1234-123412341234}" type="slidenum">
-              <a:rPr lang="en">
-                <a:solidFill>
-                  <a:srgbClr val="EBEBEB"/>
-                </a:solidFill>
-              </a:rPr>
-              <a:t>13</a:t>
-            </a:fld>
-            <a:endParaRPr>
-              <a:solidFill>
-                <a:srgbClr val="EBEBEB"/>
-              </a:solidFill>
-            </a:endParaRPr>
-          </a:p>
-        </p:txBody>
-      </p:sp>
-      <p:sp>
-        <p:nvSpPr>
-          <p:cNvPr id="3" name="Subtitle 2">
-            <a:extLst>
-              <a:ext uri="{FF2B5EF4-FFF2-40B4-BE49-F238E27FC236}">
-                <a16:creationId xmlns:a16="http://schemas.microsoft.com/office/drawing/2014/main" id="{073CDC92-D1CB-5645-A693-49B7F8E09C19}"/>
-              </a:ext>
-            </a:extLst>
-          </p:cNvPr>
-          <p:cNvSpPr>
-            <a:spLocks noGrp="1"/>
-          </p:cNvSpPr>
-          <p:nvPr>
-            <p:ph type="subTitle" idx="1"/>
-          </p:nvPr>
-        </p:nvSpPr>
-        <p:spPr/>
-        <p:txBody>
-          <a:bodyPr/>
-          <a:lstStyle/>
-          <a:p>
-            <a:endParaRPr lang="en-US"/>
-          </a:p>
-        </p:txBody>
-      </p:sp>
-    </p:spTree>
-  </p:cSld>
-  <p:clrMapOvr>
-    <a:masterClrMapping/>
-  </p:clrMapOvr>
-</p:sld>
-</file>
-
-<file path=ppt/slides/slide14.xml><?xml version="1.0" encoding="utf-8"?>
-<p:sld xmlns:a="http://schemas.openxmlformats.org/drawingml/2006/main" xmlns:r="http://schemas.openxmlformats.org/officeDocument/2006/relationships" xmlns:p="http://schemas.openxmlformats.org/presentationml/2006/main">
-  <p:cSld>
-    <p:spTree>
-      <p:nvGrpSpPr>
-        <p:cNvPr id="1" name="Shape 280"/>
-        <p:cNvGrpSpPr/>
-        <p:nvPr/>
-      </p:nvGrpSpPr>
-      <p:grpSpPr>
-        <a:xfrm>
-          <a:off x="0" y="0"/>
-          <a:ext cx="0" cy="0"/>
-          <a:chOff x="0" y="0"/>
-          <a:chExt cx="0" cy="0"/>
-        </a:xfrm>
-      </p:grpSpPr>
-      <p:sp>
-        <p:nvSpPr>
-          <p:cNvPr id="281" name="Google Shape;281;p28"/>
-          <p:cNvSpPr txBox="1">
-            <a:spLocks noGrp="1"/>
-          </p:cNvSpPr>
-          <p:nvPr>
-            <p:ph type="title"/>
-          </p:nvPr>
-        </p:nvSpPr>
-        <p:spPr>
-          <a:xfrm>
-            <a:off x="2076025" y="1883250"/>
-            <a:ext cx="7992000" cy="3071100"/>
-          </a:xfrm>
-          <a:prstGeom prst="rect">
-            <a:avLst/>
-          </a:prstGeom>
-        </p:spPr>
-        <p:txBody>
-          <a:bodyPr spcFirstLastPara="1" wrap="square" lIns="0" tIns="0" rIns="0" bIns="0" anchor="t" anchorCtr="0">
-            <a:noAutofit/>
-          </a:bodyPr>
-          <a:lstStyle/>
-          <a:p>
-            <a:pPr marL="0" lvl="0" indent="0" algn="l" rtl="0">
-              <a:spcBef>
-                <a:spcPts val="0"/>
-              </a:spcBef>
-              <a:spcAft>
-                <a:spcPts val="0"/>
-              </a:spcAft>
-              <a:buNone/>
-            </a:pPr>
-            <a:r>
               <a:rPr lang="en" dirty="0"/>
               <a:t>Discord Overview</a:t>
             </a:r>
@@ -19041,7 +19023,7 @@
                   <a:srgbClr val="EBEBEB"/>
                 </a:solidFill>
               </a:rPr>
-              <a:t>14</a:t>
+              <a:t>13</a:t>
             </a:fld>
             <a:endParaRPr>
               <a:solidFill>
@@ -19089,7 +19071,7 @@
 </p:sld>
 </file>
 
-<file path=ppt/slides/slide15.xml><?xml version="1.0" encoding="utf-8"?>
+<file path=ppt/slides/slide14.xml><?xml version="1.0" encoding="utf-8"?>
 <p:sld xmlns:a="http://schemas.openxmlformats.org/drawingml/2006/main" xmlns:r="http://schemas.openxmlformats.org/officeDocument/2006/relationships" xmlns:p="http://schemas.openxmlformats.org/presentationml/2006/main">
   <p:cSld>
     <p:spTree>
@@ -19503,6 +19485,331 @@
     <p:extLst>
       <p:ext uri="{BB962C8B-B14F-4D97-AF65-F5344CB8AC3E}">
         <p14:creationId xmlns:p14="http://schemas.microsoft.com/office/powerpoint/2010/main" val="1542425320"/>
+      </p:ext>
+    </p:extLst>
+  </p:cSld>
+  <p:clrMapOvr>
+    <a:masterClrMapping/>
+  </p:clrMapOvr>
+</p:sld>
+</file>
+
+<file path=ppt/slides/slide15.xml><?xml version="1.0" encoding="utf-8"?>
+<p:sld xmlns:a="http://schemas.openxmlformats.org/drawingml/2006/main" xmlns:r="http://schemas.openxmlformats.org/officeDocument/2006/relationships" xmlns:p="http://schemas.openxmlformats.org/presentationml/2006/main">
+  <p:cSld>
+    <p:spTree>
+      <p:nvGrpSpPr>
+        <p:cNvPr id="1" name="Shape 246"/>
+        <p:cNvGrpSpPr/>
+        <p:nvPr/>
+      </p:nvGrpSpPr>
+      <p:grpSpPr>
+        <a:xfrm>
+          <a:off x="0" y="0"/>
+          <a:ext cx="0" cy="0"/>
+          <a:chOff x="0" y="0"/>
+          <a:chExt cx="0" cy="0"/>
+        </a:xfrm>
+      </p:grpSpPr>
+      <p:sp>
+        <p:nvSpPr>
+          <p:cNvPr id="247" name="Google Shape;247;p25"/>
+          <p:cNvSpPr txBox="1">
+            <a:spLocks noGrp="1"/>
+          </p:cNvSpPr>
+          <p:nvPr>
+            <p:ph type="title"/>
+          </p:nvPr>
+        </p:nvSpPr>
+        <p:spPr>
+          <a:xfrm>
+            <a:off x="1752600" y="173573"/>
+            <a:ext cx="8686800" cy="967800"/>
+          </a:xfrm>
+          <a:prstGeom prst="rect">
+            <a:avLst/>
+          </a:prstGeom>
+        </p:spPr>
+        <p:txBody>
+          <a:bodyPr spcFirstLastPara="1" wrap="square" lIns="0" tIns="0" rIns="0" bIns="0" anchor="t" anchorCtr="0">
+            <a:noAutofit/>
+          </a:bodyPr>
+          <a:lstStyle/>
+          <a:p>
+            <a:pPr marL="0" lvl="0" indent="0" algn="ctr" rtl="0">
+              <a:spcBef>
+                <a:spcPts val="0"/>
+              </a:spcBef>
+              <a:spcAft>
+                <a:spcPts val="0"/>
+              </a:spcAft>
+              <a:buNone/>
+            </a:pPr>
+            <a:r>
+              <a:rPr lang="en" dirty="0"/>
+              <a:t>Discord Interface – General Voice Channel</a:t>
+            </a:r>
+            <a:endParaRPr dirty="0"/>
+          </a:p>
+        </p:txBody>
+      </p:sp>
+      <p:pic>
+        <p:nvPicPr>
+          <p:cNvPr id="6" name="Picture 5" descr="A screenshot of a video game&#10;&#10;Description automatically generated">
+            <a:extLst>
+              <a:ext uri="{FF2B5EF4-FFF2-40B4-BE49-F238E27FC236}">
+                <a16:creationId xmlns:a16="http://schemas.microsoft.com/office/drawing/2014/main" id="{84527B59-C2EF-7048-A989-802C1AAD4875}"/>
+              </a:ext>
+            </a:extLst>
+          </p:cNvPr>
+          <p:cNvPicPr>
+            <a:picLocks noChangeAspect="1"/>
+          </p:cNvPicPr>
+          <p:nvPr/>
+        </p:nvPicPr>
+        <p:blipFill>
+          <a:blip r:embed="rId3"/>
+          <a:stretch>
+            <a:fillRect/>
+          </a:stretch>
+        </p:blipFill>
+        <p:spPr>
+          <a:xfrm>
+            <a:off x="0" y="1378962"/>
+            <a:ext cx="8391676" cy="4404000"/>
+          </a:xfrm>
+          <a:prstGeom prst="rect">
+            <a:avLst/>
+          </a:prstGeom>
+        </p:spPr>
+      </p:pic>
+      <p:sp>
+        <p:nvSpPr>
+          <p:cNvPr id="11" name="Google Shape;248;p25">
+            <a:extLst>
+              <a:ext uri="{FF2B5EF4-FFF2-40B4-BE49-F238E27FC236}">
+                <a16:creationId xmlns:a16="http://schemas.microsoft.com/office/drawing/2014/main" id="{39661936-1324-4545-A8B8-A7809A08A67E}"/>
+              </a:ext>
+            </a:extLst>
+          </p:cNvPr>
+          <p:cNvSpPr txBox="1"/>
+          <p:nvPr/>
+        </p:nvSpPr>
+        <p:spPr>
+          <a:xfrm>
+            <a:off x="8734350" y="1536352"/>
+            <a:ext cx="3514949" cy="1915879"/>
+          </a:xfrm>
+          <a:prstGeom prst="rect">
+            <a:avLst/>
+          </a:prstGeom>
+          <a:noFill/>
+          <a:ln>
+            <a:noFill/>
+          </a:ln>
+        </p:spPr>
+        <p:txBody>
+          <a:bodyPr spcFirstLastPara="1" wrap="square" lIns="91425" tIns="91425" rIns="91425" bIns="91425" anchor="t" anchorCtr="0">
+            <a:spAutoFit/>
+          </a:bodyPr>
+          <a:lstStyle/>
+          <a:p>
+            <a:pPr marL="457200" lvl="0" indent="-342900" algn="l" rtl="0">
+              <a:lnSpc>
+                <a:spcPct val="125000"/>
+              </a:lnSpc>
+              <a:spcBef>
+                <a:spcPts val="0"/>
+              </a:spcBef>
+              <a:spcAft>
+                <a:spcPts val="0"/>
+              </a:spcAft>
+              <a:buSzPts val="1800"/>
+              <a:buFont typeface="+mj-lt"/>
+              <a:buAutoNum type="arabicPeriod"/>
+            </a:pPr>
+            <a:r>
+              <a:rPr lang="en-US" sz="1800" dirty="0">
+                <a:latin typeface="Overpass"/>
+                <a:ea typeface="Overpass"/>
+                <a:cs typeface="Overpass"/>
+                <a:sym typeface="Overpass"/>
+              </a:rPr>
+              <a:t>Current voice channel.</a:t>
+            </a:r>
+            <a:endParaRPr sz="1800" dirty="0">
+              <a:latin typeface="Overpass"/>
+              <a:ea typeface="Overpass"/>
+              <a:cs typeface="Overpass"/>
+              <a:sym typeface="Overpass"/>
+            </a:endParaRPr>
+          </a:p>
+          <a:p>
+            <a:pPr marL="457200" lvl="0" indent="-342900" algn="l" rtl="0">
+              <a:lnSpc>
+                <a:spcPct val="125000"/>
+              </a:lnSpc>
+              <a:spcBef>
+                <a:spcPts val="0"/>
+              </a:spcBef>
+              <a:spcAft>
+                <a:spcPts val="0"/>
+              </a:spcAft>
+              <a:buSzPts val="1800"/>
+              <a:buFont typeface="+mj-lt"/>
+              <a:buAutoNum type="arabicPeriod"/>
+            </a:pPr>
+            <a:r>
+              <a:rPr lang="en-US" sz="1800" dirty="0">
+                <a:latin typeface="Overpass"/>
+                <a:ea typeface="Overpass"/>
+                <a:cs typeface="Overpass"/>
+                <a:sym typeface="Overpass"/>
+              </a:rPr>
+              <a:t>Discord Voice Channel Streams</a:t>
+            </a:r>
+            <a:endParaRPr sz="1800" dirty="0">
+              <a:latin typeface="Overpass"/>
+              <a:ea typeface="Overpass"/>
+              <a:cs typeface="Overpass"/>
+              <a:sym typeface="Overpass"/>
+            </a:endParaRPr>
+          </a:p>
+          <a:p>
+            <a:pPr marL="457200" lvl="0" indent="-342900" algn="l" rtl="0">
+              <a:lnSpc>
+                <a:spcPct val="125000"/>
+              </a:lnSpc>
+              <a:spcBef>
+                <a:spcPts val="0"/>
+              </a:spcBef>
+              <a:spcAft>
+                <a:spcPts val="0"/>
+              </a:spcAft>
+              <a:buSzPts val="1800"/>
+              <a:buFont typeface="+mj-lt"/>
+              <a:buAutoNum type="arabicPeriod"/>
+            </a:pPr>
+            <a:r>
+              <a:rPr lang="en-US" sz="1800" dirty="0">
+                <a:latin typeface="Overpass"/>
+                <a:ea typeface="Overpass"/>
+                <a:cs typeface="Overpass"/>
+                <a:sym typeface="Overpass"/>
+              </a:rPr>
+              <a:t>Screen Sharing Stream</a:t>
+            </a:r>
+            <a:endParaRPr sz="1800" dirty="0">
+              <a:latin typeface="Overpass"/>
+              <a:ea typeface="Overpass"/>
+              <a:cs typeface="Overpass"/>
+              <a:sym typeface="Overpass"/>
+            </a:endParaRPr>
+          </a:p>
+          <a:p>
+            <a:pPr marL="457200" lvl="0" indent="-342900" algn="l" rtl="0">
+              <a:lnSpc>
+                <a:spcPct val="125000"/>
+              </a:lnSpc>
+              <a:spcBef>
+                <a:spcPts val="0"/>
+              </a:spcBef>
+              <a:spcAft>
+                <a:spcPts val="0"/>
+              </a:spcAft>
+              <a:buSzPts val="1800"/>
+              <a:buFont typeface="+mj-lt"/>
+              <a:buAutoNum type="arabicPeriod"/>
+            </a:pPr>
+            <a:r>
+              <a:rPr lang="en-US" sz="1800" dirty="0">
+                <a:latin typeface="Overpass"/>
+                <a:ea typeface="Overpass"/>
+                <a:cs typeface="Overpass"/>
+                <a:sym typeface="Overpass"/>
+              </a:rPr>
+              <a:t>Participant Video Stream</a:t>
+            </a:r>
+            <a:endParaRPr sz="1800" dirty="0">
+              <a:latin typeface="Overpass"/>
+              <a:ea typeface="Overpass"/>
+              <a:cs typeface="Overpass"/>
+              <a:sym typeface="Overpass"/>
+            </a:endParaRPr>
+          </a:p>
+        </p:txBody>
+      </p:sp>
+      <p:sp>
+        <p:nvSpPr>
+          <p:cNvPr id="12" name="Google Shape;249;p25">
+            <a:extLst>
+              <a:ext uri="{FF2B5EF4-FFF2-40B4-BE49-F238E27FC236}">
+                <a16:creationId xmlns:a16="http://schemas.microsoft.com/office/drawing/2014/main" id="{19FB553C-9E55-C242-9F1C-47C57DE9CFBD}"/>
+              </a:ext>
+            </a:extLst>
+          </p:cNvPr>
+          <p:cNvSpPr txBox="1"/>
+          <p:nvPr/>
+        </p:nvSpPr>
+        <p:spPr>
+          <a:xfrm>
+            <a:off x="8734350" y="980552"/>
+            <a:ext cx="3338201" cy="379200"/>
+          </a:xfrm>
+          <a:prstGeom prst="rect">
+            <a:avLst/>
+          </a:prstGeom>
+          <a:noFill/>
+          <a:ln>
+            <a:noFill/>
+          </a:ln>
+        </p:spPr>
+        <p:txBody>
+          <a:bodyPr spcFirstLastPara="1" wrap="square" lIns="0" tIns="0" rIns="0" bIns="0" anchor="b" anchorCtr="0">
+            <a:noAutofit/>
+          </a:bodyPr>
+          <a:lstStyle/>
+          <a:p>
+            <a:pPr marL="0" lvl="0" indent="0" algn="ctr" rtl="0">
+              <a:lnSpc>
+                <a:spcPct val="115000"/>
+              </a:lnSpc>
+              <a:spcBef>
+                <a:spcPts val="0"/>
+              </a:spcBef>
+              <a:spcAft>
+                <a:spcPts val="0"/>
+              </a:spcAft>
+              <a:buNone/>
+            </a:pPr>
+            <a:r>
+              <a:rPr lang="en" sz="1800" b="1" dirty="0">
+                <a:solidFill>
+                  <a:srgbClr val="EE0000"/>
+                </a:solidFill>
+                <a:latin typeface="Overpass"/>
+                <a:ea typeface="Overpass"/>
+                <a:cs typeface="Overpass"/>
+                <a:sym typeface="Overpass"/>
+              </a:rPr>
+              <a:t>Key</a:t>
+            </a:r>
+            <a:endParaRPr sz="1800" b="1" dirty="0">
+              <a:solidFill>
+                <a:srgbClr val="EE0000"/>
+              </a:solidFill>
+              <a:latin typeface="Overpass"/>
+              <a:ea typeface="Overpass"/>
+              <a:cs typeface="Overpass"/>
+              <a:sym typeface="Overpass"/>
+            </a:endParaRPr>
+          </a:p>
+        </p:txBody>
+      </p:sp>
+    </p:spTree>
+    <p:extLst>
+      <p:ext uri="{BB962C8B-B14F-4D97-AF65-F5344CB8AC3E}">
+        <p14:creationId xmlns:p14="http://schemas.microsoft.com/office/powerpoint/2010/main" val="670998291"/>
       </p:ext>
     </p:extLst>
   </p:cSld>
@@ -19827,7 +20134,7 @@
     </p:spTree>
     <p:extLst>
       <p:ext uri="{BB962C8B-B14F-4D97-AF65-F5344CB8AC3E}">
-        <p14:creationId xmlns:p14="http://schemas.microsoft.com/office/powerpoint/2010/main" val="670998291"/>
+        <p14:creationId xmlns:p14="http://schemas.microsoft.com/office/powerpoint/2010/main" val="2618388645"/>
       </p:ext>
     </p:extLst>
   </p:cSld>
@@ -19896,331 +20203,6 @@
           </a:p>
         </p:txBody>
       </p:sp>
-      <p:pic>
-        <p:nvPicPr>
-          <p:cNvPr id="6" name="Picture 5" descr="A screenshot of a video game&#10;&#10;Description automatically generated">
-            <a:extLst>
-              <a:ext uri="{FF2B5EF4-FFF2-40B4-BE49-F238E27FC236}">
-                <a16:creationId xmlns:a16="http://schemas.microsoft.com/office/drawing/2014/main" id="{84527B59-C2EF-7048-A989-802C1AAD4875}"/>
-              </a:ext>
-            </a:extLst>
-          </p:cNvPr>
-          <p:cNvPicPr>
-            <a:picLocks noChangeAspect="1"/>
-          </p:cNvPicPr>
-          <p:nvPr/>
-        </p:nvPicPr>
-        <p:blipFill>
-          <a:blip r:embed="rId3"/>
-          <a:stretch>
-            <a:fillRect/>
-          </a:stretch>
-        </p:blipFill>
-        <p:spPr>
-          <a:xfrm>
-            <a:off x="0" y="1378962"/>
-            <a:ext cx="8391676" cy="4404000"/>
-          </a:xfrm>
-          <a:prstGeom prst="rect">
-            <a:avLst/>
-          </a:prstGeom>
-        </p:spPr>
-      </p:pic>
-      <p:sp>
-        <p:nvSpPr>
-          <p:cNvPr id="11" name="Google Shape;248;p25">
-            <a:extLst>
-              <a:ext uri="{FF2B5EF4-FFF2-40B4-BE49-F238E27FC236}">
-                <a16:creationId xmlns:a16="http://schemas.microsoft.com/office/drawing/2014/main" id="{39661936-1324-4545-A8B8-A7809A08A67E}"/>
-              </a:ext>
-            </a:extLst>
-          </p:cNvPr>
-          <p:cNvSpPr txBox="1"/>
-          <p:nvPr/>
-        </p:nvSpPr>
-        <p:spPr>
-          <a:xfrm>
-            <a:off x="8734350" y="1536352"/>
-            <a:ext cx="3514949" cy="1915879"/>
-          </a:xfrm>
-          <a:prstGeom prst="rect">
-            <a:avLst/>
-          </a:prstGeom>
-          <a:noFill/>
-          <a:ln>
-            <a:noFill/>
-          </a:ln>
-        </p:spPr>
-        <p:txBody>
-          <a:bodyPr spcFirstLastPara="1" wrap="square" lIns="91425" tIns="91425" rIns="91425" bIns="91425" anchor="t" anchorCtr="0">
-            <a:spAutoFit/>
-          </a:bodyPr>
-          <a:lstStyle/>
-          <a:p>
-            <a:pPr marL="457200" lvl="0" indent="-342900" algn="l" rtl="0">
-              <a:lnSpc>
-                <a:spcPct val="125000"/>
-              </a:lnSpc>
-              <a:spcBef>
-                <a:spcPts val="0"/>
-              </a:spcBef>
-              <a:spcAft>
-                <a:spcPts val="0"/>
-              </a:spcAft>
-              <a:buSzPts val="1800"/>
-              <a:buFont typeface="+mj-lt"/>
-              <a:buAutoNum type="arabicPeriod"/>
-            </a:pPr>
-            <a:r>
-              <a:rPr lang="en-US" sz="1800" dirty="0">
-                <a:latin typeface="Overpass"/>
-                <a:ea typeface="Overpass"/>
-                <a:cs typeface="Overpass"/>
-                <a:sym typeface="Overpass"/>
-              </a:rPr>
-              <a:t>Current voice channel.</a:t>
-            </a:r>
-            <a:endParaRPr sz="1800" dirty="0">
-              <a:latin typeface="Overpass"/>
-              <a:ea typeface="Overpass"/>
-              <a:cs typeface="Overpass"/>
-              <a:sym typeface="Overpass"/>
-            </a:endParaRPr>
-          </a:p>
-          <a:p>
-            <a:pPr marL="457200" lvl="0" indent="-342900" algn="l" rtl="0">
-              <a:lnSpc>
-                <a:spcPct val="125000"/>
-              </a:lnSpc>
-              <a:spcBef>
-                <a:spcPts val="0"/>
-              </a:spcBef>
-              <a:spcAft>
-                <a:spcPts val="0"/>
-              </a:spcAft>
-              <a:buSzPts val="1800"/>
-              <a:buFont typeface="+mj-lt"/>
-              <a:buAutoNum type="arabicPeriod"/>
-            </a:pPr>
-            <a:r>
-              <a:rPr lang="en-US" sz="1800" dirty="0">
-                <a:latin typeface="Overpass"/>
-                <a:ea typeface="Overpass"/>
-                <a:cs typeface="Overpass"/>
-                <a:sym typeface="Overpass"/>
-              </a:rPr>
-              <a:t>Discord Voice Channel Streams</a:t>
-            </a:r>
-            <a:endParaRPr sz="1800" dirty="0">
-              <a:latin typeface="Overpass"/>
-              <a:ea typeface="Overpass"/>
-              <a:cs typeface="Overpass"/>
-              <a:sym typeface="Overpass"/>
-            </a:endParaRPr>
-          </a:p>
-          <a:p>
-            <a:pPr marL="457200" lvl="0" indent="-342900" algn="l" rtl="0">
-              <a:lnSpc>
-                <a:spcPct val="125000"/>
-              </a:lnSpc>
-              <a:spcBef>
-                <a:spcPts val="0"/>
-              </a:spcBef>
-              <a:spcAft>
-                <a:spcPts val="0"/>
-              </a:spcAft>
-              <a:buSzPts val="1800"/>
-              <a:buFont typeface="+mj-lt"/>
-              <a:buAutoNum type="arabicPeriod"/>
-            </a:pPr>
-            <a:r>
-              <a:rPr lang="en-US" sz="1800" dirty="0">
-                <a:latin typeface="Overpass"/>
-                <a:ea typeface="Overpass"/>
-                <a:cs typeface="Overpass"/>
-                <a:sym typeface="Overpass"/>
-              </a:rPr>
-              <a:t>Screen Sharing Stream</a:t>
-            </a:r>
-            <a:endParaRPr sz="1800" dirty="0">
-              <a:latin typeface="Overpass"/>
-              <a:ea typeface="Overpass"/>
-              <a:cs typeface="Overpass"/>
-              <a:sym typeface="Overpass"/>
-            </a:endParaRPr>
-          </a:p>
-          <a:p>
-            <a:pPr marL="457200" lvl="0" indent="-342900" algn="l" rtl="0">
-              <a:lnSpc>
-                <a:spcPct val="125000"/>
-              </a:lnSpc>
-              <a:spcBef>
-                <a:spcPts val="0"/>
-              </a:spcBef>
-              <a:spcAft>
-                <a:spcPts val="0"/>
-              </a:spcAft>
-              <a:buSzPts val="1800"/>
-              <a:buFont typeface="+mj-lt"/>
-              <a:buAutoNum type="arabicPeriod"/>
-            </a:pPr>
-            <a:r>
-              <a:rPr lang="en-US" sz="1800" dirty="0">
-                <a:latin typeface="Overpass"/>
-                <a:ea typeface="Overpass"/>
-                <a:cs typeface="Overpass"/>
-                <a:sym typeface="Overpass"/>
-              </a:rPr>
-              <a:t>Participant Video Stream</a:t>
-            </a:r>
-            <a:endParaRPr sz="1800" dirty="0">
-              <a:latin typeface="Overpass"/>
-              <a:ea typeface="Overpass"/>
-              <a:cs typeface="Overpass"/>
-              <a:sym typeface="Overpass"/>
-            </a:endParaRPr>
-          </a:p>
-        </p:txBody>
-      </p:sp>
-      <p:sp>
-        <p:nvSpPr>
-          <p:cNvPr id="12" name="Google Shape;249;p25">
-            <a:extLst>
-              <a:ext uri="{FF2B5EF4-FFF2-40B4-BE49-F238E27FC236}">
-                <a16:creationId xmlns:a16="http://schemas.microsoft.com/office/drawing/2014/main" id="{19FB553C-9E55-C242-9F1C-47C57DE9CFBD}"/>
-              </a:ext>
-            </a:extLst>
-          </p:cNvPr>
-          <p:cNvSpPr txBox="1"/>
-          <p:nvPr/>
-        </p:nvSpPr>
-        <p:spPr>
-          <a:xfrm>
-            <a:off x="8734350" y="980552"/>
-            <a:ext cx="3338201" cy="379200"/>
-          </a:xfrm>
-          <a:prstGeom prst="rect">
-            <a:avLst/>
-          </a:prstGeom>
-          <a:noFill/>
-          <a:ln>
-            <a:noFill/>
-          </a:ln>
-        </p:spPr>
-        <p:txBody>
-          <a:bodyPr spcFirstLastPara="1" wrap="square" lIns="0" tIns="0" rIns="0" bIns="0" anchor="b" anchorCtr="0">
-            <a:noAutofit/>
-          </a:bodyPr>
-          <a:lstStyle/>
-          <a:p>
-            <a:pPr marL="0" lvl="0" indent="0" algn="ctr" rtl="0">
-              <a:lnSpc>
-                <a:spcPct val="115000"/>
-              </a:lnSpc>
-              <a:spcBef>
-                <a:spcPts val="0"/>
-              </a:spcBef>
-              <a:spcAft>
-                <a:spcPts val="0"/>
-              </a:spcAft>
-              <a:buNone/>
-            </a:pPr>
-            <a:r>
-              <a:rPr lang="en" sz="1800" b="1" dirty="0">
-                <a:solidFill>
-                  <a:srgbClr val="EE0000"/>
-                </a:solidFill>
-                <a:latin typeface="Overpass"/>
-                <a:ea typeface="Overpass"/>
-                <a:cs typeface="Overpass"/>
-                <a:sym typeface="Overpass"/>
-              </a:rPr>
-              <a:t>Key</a:t>
-            </a:r>
-            <a:endParaRPr sz="1800" b="1" dirty="0">
-              <a:solidFill>
-                <a:srgbClr val="EE0000"/>
-              </a:solidFill>
-              <a:latin typeface="Overpass"/>
-              <a:ea typeface="Overpass"/>
-              <a:cs typeface="Overpass"/>
-              <a:sym typeface="Overpass"/>
-            </a:endParaRPr>
-          </a:p>
-        </p:txBody>
-      </p:sp>
-    </p:spTree>
-    <p:extLst>
-      <p:ext uri="{BB962C8B-B14F-4D97-AF65-F5344CB8AC3E}">
-        <p14:creationId xmlns:p14="http://schemas.microsoft.com/office/powerpoint/2010/main" val="2618388645"/>
-      </p:ext>
-    </p:extLst>
-  </p:cSld>
-  <p:clrMapOvr>
-    <a:masterClrMapping/>
-  </p:clrMapOvr>
-</p:sld>
-</file>
-
-<file path=ppt/slides/slide18.xml><?xml version="1.0" encoding="utf-8"?>
-<p:sld xmlns:a="http://schemas.openxmlformats.org/drawingml/2006/main" xmlns:r="http://schemas.openxmlformats.org/officeDocument/2006/relationships" xmlns:p="http://schemas.openxmlformats.org/presentationml/2006/main">
-  <p:cSld>
-    <p:spTree>
-      <p:nvGrpSpPr>
-        <p:cNvPr id="1" name="Shape 246"/>
-        <p:cNvGrpSpPr/>
-        <p:nvPr/>
-      </p:nvGrpSpPr>
-      <p:grpSpPr>
-        <a:xfrm>
-          <a:off x="0" y="0"/>
-          <a:ext cx="0" cy="0"/>
-          <a:chOff x="0" y="0"/>
-          <a:chExt cx="0" cy="0"/>
-        </a:xfrm>
-      </p:grpSpPr>
-      <p:sp>
-        <p:nvSpPr>
-          <p:cNvPr id="247" name="Google Shape;247;p25"/>
-          <p:cNvSpPr txBox="1">
-            <a:spLocks noGrp="1"/>
-          </p:cNvSpPr>
-          <p:nvPr>
-            <p:ph type="title"/>
-          </p:nvPr>
-        </p:nvSpPr>
-        <p:spPr>
-          <a:xfrm>
-            <a:off x="1752600" y="173573"/>
-            <a:ext cx="8686800" cy="967800"/>
-          </a:xfrm>
-          <a:prstGeom prst="rect">
-            <a:avLst/>
-          </a:prstGeom>
-        </p:spPr>
-        <p:txBody>
-          <a:bodyPr spcFirstLastPara="1" wrap="square" lIns="0" tIns="0" rIns="0" bIns="0" anchor="t" anchorCtr="0">
-            <a:noAutofit/>
-          </a:bodyPr>
-          <a:lstStyle/>
-          <a:p>
-            <a:pPr marL="0" lvl="0" indent="0" algn="ctr" rtl="0">
-              <a:spcBef>
-                <a:spcPts val="0"/>
-              </a:spcBef>
-              <a:spcAft>
-                <a:spcPts val="0"/>
-              </a:spcAft>
-              <a:buNone/>
-            </a:pPr>
-            <a:r>
-              <a:rPr lang="en" dirty="0"/>
-              <a:t>Discord Interface – General Voice Channel</a:t>
-            </a:r>
-            <a:endParaRPr dirty="0"/>
-          </a:p>
-        </p:txBody>
-      </p:sp>
       <p:sp>
         <p:nvSpPr>
           <p:cNvPr id="11" name="Google Shape;248;p25">
@@ -20447,6 +20429,153 @@
     <p:extLst>
       <p:ext uri="{BB962C8B-B14F-4D97-AF65-F5344CB8AC3E}">
         <p14:creationId xmlns:p14="http://schemas.microsoft.com/office/powerpoint/2010/main" val="2603456407"/>
+      </p:ext>
+    </p:extLst>
+  </p:cSld>
+  <p:clrMapOvr>
+    <a:masterClrMapping/>
+  </p:clrMapOvr>
+</p:sld>
+</file>
+
+<file path=ppt/slides/slide18.xml><?xml version="1.0" encoding="utf-8"?>
+<p:sld xmlns:a="http://schemas.openxmlformats.org/drawingml/2006/main" xmlns:r="http://schemas.openxmlformats.org/officeDocument/2006/relationships" xmlns:p="http://schemas.openxmlformats.org/presentationml/2006/main">
+  <p:cSld>
+    <p:spTree>
+      <p:nvGrpSpPr>
+        <p:cNvPr id="1" name="Shape 280"/>
+        <p:cNvGrpSpPr/>
+        <p:nvPr/>
+      </p:nvGrpSpPr>
+      <p:grpSpPr>
+        <a:xfrm>
+          <a:off x="0" y="0"/>
+          <a:ext cx="0" cy="0"/>
+          <a:chOff x="0" y="0"/>
+          <a:chExt cx="0" cy="0"/>
+        </a:xfrm>
+      </p:grpSpPr>
+      <p:sp>
+        <p:nvSpPr>
+          <p:cNvPr id="281" name="Google Shape;281;p28"/>
+          <p:cNvSpPr txBox="1">
+            <a:spLocks noGrp="1"/>
+          </p:cNvSpPr>
+          <p:nvPr>
+            <p:ph type="title"/>
+          </p:nvPr>
+        </p:nvSpPr>
+        <p:spPr>
+          <a:xfrm>
+            <a:off x="2076025" y="1883250"/>
+            <a:ext cx="7992000" cy="3071100"/>
+          </a:xfrm>
+          <a:prstGeom prst="rect">
+            <a:avLst/>
+          </a:prstGeom>
+        </p:spPr>
+        <p:txBody>
+          <a:bodyPr spcFirstLastPara="1" wrap="square" lIns="0" tIns="0" rIns="0" bIns="0" anchor="t" anchorCtr="0">
+            <a:noAutofit/>
+          </a:bodyPr>
+          <a:lstStyle/>
+          <a:p>
+            <a:pPr marL="0" lvl="0" indent="0" algn="l" rtl="0">
+              <a:spcBef>
+                <a:spcPts val="0"/>
+              </a:spcBef>
+              <a:spcAft>
+                <a:spcPts val="0"/>
+              </a:spcAft>
+              <a:buNone/>
+            </a:pPr>
+            <a:r>
+              <a:rPr lang="en" dirty="0"/>
+              <a:t>Discord Overview</a:t>
+            </a:r>
+            <a:endParaRPr dirty="0"/>
+          </a:p>
+        </p:txBody>
+      </p:sp>
+      <p:sp>
+        <p:nvSpPr>
+          <p:cNvPr id="282" name="Google Shape;282;p28"/>
+          <p:cNvSpPr txBox="1">
+            <a:spLocks noGrp="1"/>
+          </p:cNvSpPr>
+          <p:nvPr>
+            <p:ph type="sldNum" idx="12"/>
+          </p:nvPr>
+        </p:nvSpPr>
+        <p:spPr>
+          <a:xfrm>
+            <a:off x="81975" y="6169556"/>
+            <a:ext cx="731700" cy="143700"/>
+          </a:xfrm>
+          <a:prstGeom prst="rect">
+            <a:avLst/>
+          </a:prstGeom>
+        </p:spPr>
+        <p:txBody>
+          <a:bodyPr spcFirstLastPara="1" wrap="square" lIns="0" tIns="0" rIns="0" bIns="0" anchor="b" anchorCtr="0">
+            <a:noAutofit/>
+          </a:bodyPr>
+          <a:lstStyle/>
+          <a:p>
+            <a:pPr marL="0" lvl="0" indent="0" algn="ctr" rtl="0">
+              <a:spcBef>
+                <a:spcPts val="0"/>
+              </a:spcBef>
+              <a:spcAft>
+                <a:spcPts val="0"/>
+              </a:spcAft>
+              <a:buNone/>
+            </a:pPr>
+            <a:fld id="{00000000-1234-1234-1234-123412341234}" type="slidenum">
+              <a:rPr lang="en">
+                <a:solidFill>
+                  <a:srgbClr val="EBEBEB"/>
+                </a:solidFill>
+              </a:rPr>
+              <a:t>18</a:t>
+            </a:fld>
+            <a:endParaRPr>
+              <a:solidFill>
+                <a:srgbClr val="EBEBEB"/>
+              </a:solidFill>
+            </a:endParaRPr>
+          </a:p>
+        </p:txBody>
+      </p:sp>
+      <p:sp>
+        <p:nvSpPr>
+          <p:cNvPr id="3" name="Subtitle 2">
+            <a:extLst>
+              <a:ext uri="{FF2B5EF4-FFF2-40B4-BE49-F238E27FC236}">
+                <a16:creationId xmlns:a16="http://schemas.microsoft.com/office/drawing/2014/main" id="{57872013-39D4-BE41-87BC-F99C13A55141}"/>
+              </a:ext>
+            </a:extLst>
+          </p:cNvPr>
+          <p:cNvSpPr>
+            <a:spLocks noGrp="1"/>
+          </p:cNvSpPr>
+          <p:nvPr>
+            <p:ph type="subTitle" idx="1"/>
+          </p:nvPr>
+        </p:nvSpPr>
+        <p:spPr/>
+        <p:txBody>
+          <a:bodyPr/>
+          <a:lstStyle/>
+          <a:p>
+            <a:endParaRPr lang="en-US"/>
+          </a:p>
+        </p:txBody>
+      </p:sp>
+    </p:spTree>
+    <p:extLst>
+      <p:ext uri="{BB962C8B-B14F-4D97-AF65-F5344CB8AC3E}">
+        <p14:creationId xmlns:p14="http://schemas.microsoft.com/office/powerpoint/2010/main" val="3903698870"/>
       </p:ext>
     </p:extLst>
   </p:cSld>
@@ -20509,7 +20638,7 @@
             </a:pPr>
             <a:r>
               <a:rPr lang="en" dirty="0"/>
-              <a:t>Discord Demo</a:t>
+              <a:t>Miro Overview</a:t>
             </a:r>
             <a:endParaRPr dirty="0"/>
           </a:p>
@@ -21543,6 +21672,148 @@
   <p:cSld>
     <p:spTree>
       <p:nvGrpSpPr>
+        <p:cNvPr id="1" name="Shape 280"/>
+        <p:cNvGrpSpPr/>
+        <p:nvPr/>
+      </p:nvGrpSpPr>
+      <p:grpSpPr>
+        <a:xfrm>
+          <a:off x="0" y="0"/>
+          <a:ext cx="0" cy="0"/>
+          <a:chOff x="0" y="0"/>
+          <a:chExt cx="0" cy="0"/>
+        </a:xfrm>
+      </p:grpSpPr>
+      <p:sp>
+        <p:nvSpPr>
+          <p:cNvPr id="281" name="Google Shape;281;p28"/>
+          <p:cNvSpPr txBox="1">
+            <a:spLocks noGrp="1"/>
+          </p:cNvSpPr>
+          <p:nvPr>
+            <p:ph type="title"/>
+          </p:nvPr>
+        </p:nvSpPr>
+        <p:spPr>
+          <a:xfrm>
+            <a:off x="2076025" y="1883250"/>
+            <a:ext cx="7992000" cy="3071100"/>
+          </a:xfrm>
+          <a:prstGeom prst="rect">
+            <a:avLst/>
+          </a:prstGeom>
+        </p:spPr>
+        <p:txBody>
+          <a:bodyPr spcFirstLastPara="1" wrap="square" lIns="0" tIns="0" rIns="0" bIns="0" anchor="t" anchorCtr="0">
+            <a:noAutofit/>
+          </a:bodyPr>
+          <a:lstStyle/>
+          <a:p>
+            <a:pPr marL="0" lvl="0" indent="0" algn="l" rtl="0">
+              <a:spcBef>
+                <a:spcPts val="0"/>
+              </a:spcBef>
+              <a:spcAft>
+                <a:spcPts val="0"/>
+              </a:spcAft>
+              <a:buNone/>
+            </a:pPr>
+            <a:r>
+              <a:rPr lang="en"/>
+              <a:t>MIRO Demo</a:t>
+            </a:r>
+            <a:endParaRPr/>
+          </a:p>
+        </p:txBody>
+      </p:sp>
+      <p:sp>
+        <p:nvSpPr>
+          <p:cNvPr id="282" name="Google Shape;282;p28"/>
+          <p:cNvSpPr txBox="1">
+            <a:spLocks noGrp="1"/>
+          </p:cNvSpPr>
+          <p:nvPr>
+            <p:ph type="sldNum" idx="12"/>
+          </p:nvPr>
+        </p:nvSpPr>
+        <p:spPr>
+          <a:xfrm>
+            <a:off x="81975" y="6169556"/>
+            <a:ext cx="731700" cy="143700"/>
+          </a:xfrm>
+          <a:prstGeom prst="rect">
+            <a:avLst/>
+          </a:prstGeom>
+        </p:spPr>
+        <p:txBody>
+          <a:bodyPr spcFirstLastPara="1" wrap="square" lIns="0" tIns="0" rIns="0" bIns="0" anchor="b" anchorCtr="0">
+            <a:noAutofit/>
+          </a:bodyPr>
+          <a:lstStyle/>
+          <a:p>
+            <a:pPr marL="0" lvl="0" indent="0" algn="ctr" rtl="0">
+              <a:spcBef>
+                <a:spcPts val="0"/>
+              </a:spcBef>
+              <a:spcAft>
+                <a:spcPts val="0"/>
+              </a:spcAft>
+              <a:buNone/>
+            </a:pPr>
+            <a:fld id="{00000000-1234-1234-1234-123412341234}" type="slidenum">
+              <a:rPr lang="en">
+                <a:solidFill>
+                  <a:srgbClr val="EBEBEB"/>
+                </a:solidFill>
+              </a:rPr>
+              <a:t>20</a:t>
+            </a:fld>
+            <a:endParaRPr>
+              <a:solidFill>
+                <a:srgbClr val="EBEBEB"/>
+              </a:solidFill>
+            </a:endParaRPr>
+          </a:p>
+        </p:txBody>
+      </p:sp>
+      <p:sp>
+        <p:nvSpPr>
+          <p:cNvPr id="3" name="Subtitle 2">
+            <a:extLst>
+              <a:ext uri="{FF2B5EF4-FFF2-40B4-BE49-F238E27FC236}">
+                <a16:creationId xmlns:a16="http://schemas.microsoft.com/office/drawing/2014/main" id="{073CDC92-D1CB-5645-A693-49B7F8E09C19}"/>
+              </a:ext>
+            </a:extLst>
+          </p:cNvPr>
+          <p:cNvSpPr>
+            <a:spLocks noGrp="1"/>
+          </p:cNvSpPr>
+          <p:nvPr>
+            <p:ph type="subTitle" idx="1"/>
+          </p:nvPr>
+        </p:nvSpPr>
+        <p:spPr/>
+        <p:txBody>
+          <a:bodyPr/>
+          <a:lstStyle/>
+          <a:p>
+            <a:endParaRPr lang="en-US"/>
+          </a:p>
+        </p:txBody>
+      </p:sp>
+    </p:spTree>
+  </p:cSld>
+  <p:clrMapOvr>
+    <a:masterClrMapping/>
+  </p:clrMapOvr>
+</p:sld>
+</file>
+
+<file path=ppt/slides/slide21.xml><?xml version="1.0" encoding="utf-8"?>
+<p:sld xmlns:a="http://schemas.openxmlformats.org/drawingml/2006/main" xmlns:r="http://schemas.openxmlformats.org/officeDocument/2006/relationships" xmlns:p="http://schemas.openxmlformats.org/presentationml/2006/main">
+  <p:cSld>
+    <p:spTree>
+      <p:nvGrpSpPr>
         <p:cNvPr id="1" name="Shape 287"/>
         <p:cNvGrpSpPr/>
         <p:nvPr/>
@@ -21682,7 +21953,7 @@
             </a:pPr>
             <a:fld id="{00000000-1234-1234-1234-123412341234}" type="slidenum">
               <a:rPr lang="en"/>
-              <a:t>20</a:t>
+              <a:t>21</a:t>
             </a:fld>
             <a:endParaRPr/>
           </a:p>
@@ -23970,7 +24241,7 @@
         <p:spPr>
           <a:xfrm>
             <a:off x="1752600" y="1466550"/>
-            <a:ext cx="3777300" cy="4271400"/>
+            <a:ext cx="3777300" cy="4339619"/>
           </a:xfrm>
           <a:prstGeom prst="rect">
             <a:avLst/>
@@ -24001,7 +24272,7 @@
               <a:buChar char="❖"/>
             </a:pPr>
             <a:r>
-              <a:rPr lang="en" sz="1800">
+              <a:rPr lang="en" sz="1800" dirty="0">
                 <a:latin typeface="Overpass"/>
                 <a:ea typeface="Overpass"/>
                 <a:cs typeface="Overpass"/>
@@ -24009,7 +24280,7 @@
               </a:rPr>
               <a:t>Social Contracts</a:t>
             </a:r>
-            <a:endParaRPr sz="1800">
+            <a:endParaRPr sz="1800" dirty="0">
               <a:latin typeface="Overpass"/>
               <a:ea typeface="Overpass"/>
               <a:cs typeface="Overpass"/>
@@ -24032,7 +24303,7 @@
               <a:buChar char="❖"/>
             </a:pPr>
             <a:r>
-              <a:rPr lang="en" sz="1800">
+              <a:rPr lang="en" sz="1800" dirty="0">
                 <a:latin typeface="Overpass"/>
                 <a:ea typeface="Overpass"/>
                 <a:cs typeface="Overpass"/>
@@ -24040,7 +24311,7 @@
               </a:rPr>
               <a:t>Pairing and Mobbing</a:t>
             </a:r>
-            <a:endParaRPr sz="1800">
+            <a:endParaRPr sz="1800" dirty="0">
               <a:latin typeface="Overpass"/>
               <a:ea typeface="Overpass"/>
               <a:cs typeface="Overpass"/>
@@ -24063,7 +24334,7 @@
               <a:buChar char="❖"/>
             </a:pPr>
             <a:r>
-              <a:rPr lang="en" sz="1800">
+              <a:rPr lang="en" sz="1800" dirty="0">
                 <a:latin typeface="Overpass"/>
                 <a:ea typeface="Overpass"/>
                 <a:cs typeface="Overpass"/>
@@ -24071,7 +24342,7 @@
               </a:rPr>
               <a:t>Definition of Done</a:t>
             </a:r>
-            <a:endParaRPr sz="1800">
+            <a:endParaRPr sz="1800" dirty="0">
               <a:latin typeface="Overpass"/>
               <a:ea typeface="Overpass"/>
               <a:cs typeface="Overpass"/>
@@ -24094,7 +24365,7 @@
               <a:buChar char="❖"/>
             </a:pPr>
             <a:r>
-              <a:rPr lang="en" sz="1800">
+              <a:rPr lang="en" sz="1800" dirty="0">
                 <a:latin typeface="Overpass"/>
                 <a:ea typeface="Overpass"/>
                 <a:cs typeface="Overpass"/>
@@ -24102,7 +24373,7 @@
               </a:rPr>
               <a:t>Target Outcomes</a:t>
             </a:r>
-            <a:endParaRPr sz="1800">
+            <a:endParaRPr sz="1800" dirty="0">
               <a:latin typeface="Overpass"/>
               <a:ea typeface="Overpass"/>
               <a:cs typeface="Overpass"/>
@@ -24125,7 +24396,7 @@
               <a:buChar char="❖"/>
             </a:pPr>
             <a:r>
-              <a:rPr lang="en" sz="1800">
+              <a:rPr lang="en" sz="1800" dirty="0">
                 <a:latin typeface="Overpass"/>
                 <a:ea typeface="Overpass"/>
                 <a:cs typeface="Overpass"/>
@@ -24133,7 +24404,7 @@
               </a:rPr>
               <a:t>Retrospectives</a:t>
             </a:r>
-            <a:endParaRPr sz="1800">
+            <a:endParaRPr sz="1800" dirty="0">
               <a:latin typeface="Overpass"/>
               <a:ea typeface="Overpass"/>
               <a:cs typeface="Overpass"/>
@@ -24156,7 +24427,7 @@
               <a:buChar char="❖"/>
             </a:pPr>
             <a:r>
-              <a:rPr lang="en" sz="1800">
+              <a:rPr lang="en" sz="1800" dirty="0">
                 <a:latin typeface="Overpass"/>
                 <a:ea typeface="Overpass"/>
                 <a:cs typeface="Overpass"/>
@@ -24164,7 +24435,7 @@
               </a:rPr>
               <a:t>Parking Lot</a:t>
             </a:r>
-            <a:endParaRPr sz="1800">
+            <a:endParaRPr sz="1800" dirty="0">
               <a:latin typeface="Overpass"/>
               <a:ea typeface="Overpass"/>
               <a:cs typeface="Overpass"/>
@@ -24187,7 +24458,7 @@
               <a:buChar char="❖"/>
             </a:pPr>
             <a:r>
-              <a:rPr lang="en" sz="1800">
+              <a:rPr lang="en" sz="1800" dirty="0">
                 <a:latin typeface="Overpass"/>
                 <a:ea typeface="Overpass"/>
                 <a:cs typeface="Overpass"/>
@@ -24195,7 +24466,7 @@
               </a:rPr>
               <a:t>Walk-the-Walls</a:t>
             </a:r>
-            <a:endParaRPr sz="1800">
+            <a:endParaRPr sz="1800" dirty="0">
               <a:latin typeface="Overpass"/>
               <a:ea typeface="Overpass"/>
               <a:cs typeface="Overpass"/>
@@ -24224,9 +24495,9 @@
                 <a:cs typeface="Overpass"/>
                 <a:sym typeface="Overpass"/>
               </a:rPr>
-              <a:t>Priority Slides</a:t>
+              <a:t>Priority Sliders</a:t>
             </a:r>
-            <a:endParaRPr sz="1800">
+            <a:endParaRPr sz="1800" dirty="0">
               <a:latin typeface="Overpass"/>
               <a:ea typeface="Overpass"/>
               <a:cs typeface="Overpass"/>
@@ -24249,7 +24520,7 @@
               <a:buChar char="❖"/>
             </a:pPr>
             <a:r>
-              <a:rPr lang="en" sz="1800">
+              <a:rPr lang="en" sz="1800" dirty="0">
                 <a:latin typeface="Overpass"/>
                 <a:ea typeface="Overpass"/>
                 <a:cs typeface="Overpass"/>
@@ -24257,7 +24528,7 @@
               </a:rPr>
               <a:t>Impact Mapping  </a:t>
             </a:r>
-            <a:endParaRPr sz="1800">
+            <a:endParaRPr sz="1800" dirty="0">
               <a:latin typeface="Overpass"/>
               <a:ea typeface="Overpass"/>
               <a:cs typeface="Overpass"/>
@@ -24280,7 +24551,7 @@
               <a:buChar char="❖"/>
             </a:pPr>
             <a:r>
-              <a:rPr lang="en" sz="1800">
+              <a:rPr lang="en" sz="1800" dirty="0">
                 <a:latin typeface="Overpass"/>
                 <a:ea typeface="Overpass"/>
                 <a:cs typeface="Overpass"/>
@@ -24288,7 +24559,7 @@
               </a:rPr>
               <a:t>User Story Mapping</a:t>
             </a:r>
-            <a:endParaRPr sz="1800">
+            <a:endParaRPr sz="1800" dirty="0">
               <a:latin typeface="Overpass"/>
               <a:ea typeface="Overpass"/>
               <a:cs typeface="Overpass"/>
@@ -24311,7 +24582,7 @@
               <a:buChar char="❖"/>
             </a:pPr>
             <a:r>
-              <a:rPr lang="en" sz="1800">
+              <a:rPr lang="en" sz="1800" dirty="0">
                 <a:latin typeface="Overpass"/>
                 <a:ea typeface="Overpass"/>
                 <a:cs typeface="Overpass"/>
@@ -24319,7 +24590,7 @@
               </a:rPr>
               <a:t>Event Storming</a:t>
             </a:r>
-            <a:endParaRPr sz="1800">
+            <a:endParaRPr sz="1800" dirty="0">
               <a:latin typeface="Overpass"/>
               <a:ea typeface="Overpass"/>
               <a:cs typeface="Overpass"/>
@@ -24342,7 +24613,7 @@
               <a:buChar char="❖"/>
             </a:pPr>
             <a:r>
-              <a:rPr lang="en" sz="1800">
+              <a:rPr lang="en" sz="1800" dirty="0">
                 <a:latin typeface="Overpass"/>
                 <a:ea typeface="Overpass"/>
                 <a:cs typeface="Overpass"/>
@@ -24350,7 +24621,7 @@
               </a:rPr>
               <a:t>Test Driven Development</a:t>
             </a:r>
-            <a:endParaRPr sz="1800">
+            <a:endParaRPr sz="1800" dirty="0">
               <a:latin typeface="Overpass"/>
               <a:ea typeface="Overpass"/>
               <a:cs typeface="Overpass"/>
